--- a/線上會議APP改2.pptx
+++ b/線上會議APP改2.pptx
@@ -15,6 +15,7 @@
     <p:sldId id="263" r:id="rId9"/>
     <p:sldId id="264" r:id="rId10"/>
     <p:sldId id="265" r:id="rId11"/>
+    <p:sldId id="266" r:id="rId12"/>
   </p:sldIdLst>
   <p:sldSz cx="12192000" cy="6858000"/>
   <p:notesSz cx="6858000" cy="9144000"/>
@@ -4881,6 +4882,615 @@
 </p:sld>
 </file>
 
+<file path=ppt/slides/slide11.xml><?xml version="1.0" encoding="utf-8"?>
+<p:sld xmlns:a="http://schemas.openxmlformats.org/drawingml/2006/main" xmlns:r="http://schemas.openxmlformats.org/officeDocument/2006/relationships" xmlns:p="http://schemas.openxmlformats.org/presentationml/2006/main">
+  <p:cSld>
+    <p:spTree>
+      <p:nvGrpSpPr>
+        <p:cNvPr id="1" name=""/>
+        <p:cNvGrpSpPr/>
+        <p:nvPr/>
+      </p:nvGrpSpPr>
+      <p:grpSpPr>
+        <a:xfrm>
+          <a:off x="0" y="0"/>
+          <a:ext cx="0" cy="0"/>
+          <a:chOff x="0" y="0"/>
+          <a:chExt cx="0" cy="0"/>
+        </a:xfrm>
+      </p:grpSpPr>
+      <p:sp>
+        <p:nvSpPr>
+          <p:cNvPr id="4" name="矩形 3"/>
+          <p:cNvSpPr/>
+          <p:nvPr/>
+        </p:nvSpPr>
+        <p:spPr>
+          <a:xfrm>
+            <a:off x="2066192" y="131885"/>
+            <a:ext cx="3675185" cy="6233746"/>
+          </a:xfrm>
+          <a:prstGeom prst="rect">
+            <a:avLst/>
+          </a:prstGeom>
+          <a:noFill/>
+        </p:spPr>
+        <p:style>
+          <a:lnRef idx="2">
+            <a:schemeClr val="accent1">
+              <a:shade val="50000"/>
+            </a:schemeClr>
+          </a:lnRef>
+          <a:fillRef idx="1">
+            <a:schemeClr val="accent1"/>
+          </a:fillRef>
+          <a:effectRef idx="0">
+            <a:schemeClr val="accent1"/>
+          </a:effectRef>
+          <a:fontRef idx="minor">
+            <a:schemeClr val="lt1"/>
+          </a:fontRef>
+        </p:style>
+        <p:txBody>
+          <a:bodyPr rtlCol="0" anchor="ctr"/>
+          <a:lstStyle/>
+          <a:p>
+            <a:pPr algn="ctr"/>
+            <a:endParaRPr lang="zh-TW" altLang="en-US"/>
+          </a:p>
+        </p:txBody>
+      </p:sp>
+      <p:sp>
+        <p:nvSpPr>
+          <p:cNvPr id="5" name="矩形 4"/>
+          <p:cNvSpPr/>
+          <p:nvPr/>
+        </p:nvSpPr>
+        <p:spPr>
+          <a:xfrm>
+            <a:off x="5741377" y="131885"/>
+            <a:ext cx="3666392" cy="6224954"/>
+          </a:xfrm>
+          <a:prstGeom prst="rect">
+            <a:avLst/>
+          </a:prstGeom>
+          <a:noFill/>
+        </p:spPr>
+        <p:style>
+          <a:lnRef idx="2">
+            <a:schemeClr val="accent1">
+              <a:shade val="50000"/>
+            </a:schemeClr>
+          </a:lnRef>
+          <a:fillRef idx="1">
+            <a:schemeClr val="accent1"/>
+          </a:fillRef>
+          <a:effectRef idx="0">
+            <a:schemeClr val="accent1"/>
+          </a:effectRef>
+          <a:fontRef idx="minor">
+            <a:schemeClr val="lt1"/>
+          </a:fontRef>
+        </p:style>
+        <p:txBody>
+          <a:bodyPr rtlCol="0" anchor="ctr"/>
+          <a:lstStyle/>
+          <a:p>
+            <a:pPr algn="ctr"/>
+            <a:endParaRPr lang="zh-TW" altLang="en-US"/>
+          </a:p>
+        </p:txBody>
+      </p:sp>
+      <p:sp>
+        <p:nvSpPr>
+          <p:cNvPr id="6" name="文字方塊 5"/>
+          <p:cNvSpPr txBox="1"/>
+          <p:nvPr/>
+        </p:nvSpPr>
+        <p:spPr>
+          <a:xfrm>
+            <a:off x="3279530" y="272506"/>
+            <a:ext cx="877163" cy="369332"/>
+          </a:xfrm>
+          <a:prstGeom prst="rect">
+            <a:avLst/>
+          </a:prstGeom>
+          <a:noFill/>
+        </p:spPr>
+        <p:txBody>
+          <a:bodyPr wrap="none" rtlCol="0">
+            <a:spAutoFit/>
+          </a:bodyPr>
+          <a:lstStyle/>
+          <a:p>
+            <a:r>
+              <a:rPr lang="zh-TW" altLang="en-US" dirty="0" smtClean="0"/>
+              <a:t>管理員</a:t>
+            </a:r>
+            <a:endParaRPr lang="zh-TW" altLang="en-US" dirty="0"/>
+          </a:p>
+        </p:txBody>
+      </p:sp>
+      <p:sp>
+        <p:nvSpPr>
+          <p:cNvPr id="10" name="文字方塊 9"/>
+          <p:cNvSpPr txBox="1"/>
+          <p:nvPr/>
+        </p:nvSpPr>
+        <p:spPr>
+          <a:xfrm>
+            <a:off x="7116339" y="272506"/>
+            <a:ext cx="1107996" cy="369332"/>
+          </a:xfrm>
+          <a:prstGeom prst="rect">
+            <a:avLst/>
+          </a:prstGeom>
+          <a:noFill/>
+        </p:spPr>
+        <p:txBody>
+          <a:bodyPr wrap="none" rtlCol="0">
+            <a:spAutoFit/>
+          </a:bodyPr>
+          <a:lstStyle/>
+          <a:p>
+            <a:r>
+              <a:rPr lang="zh-TW" altLang="en-US" dirty="0" smtClean="0"/>
+              <a:t>房間成</a:t>
+            </a:r>
+            <a:r>
+              <a:rPr lang="zh-TW" altLang="en-US" dirty="0"/>
+              <a:t>員</a:t>
+            </a:r>
+          </a:p>
+        </p:txBody>
+      </p:sp>
+      <p:sp>
+        <p:nvSpPr>
+          <p:cNvPr id="16" name="文字方塊 15"/>
+          <p:cNvSpPr txBox="1"/>
+          <p:nvPr/>
+        </p:nvSpPr>
+        <p:spPr>
+          <a:xfrm>
+            <a:off x="3229701" y="5269157"/>
+            <a:ext cx="1107996" cy="369332"/>
+          </a:xfrm>
+          <a:prstGeom prst="rect">
+            <a:avLst/>
+          </a:prstGeom>
+          <a:noFill/>
+        </p:spPr>
+        <p:txBody>
+          <a:bodyPr wrap="none" rtlCol="0">
+            <a:spAutoFit/>
+          </a:bodyPr>
+          <a:lstStyle/>
+          <a:p>
+            <a:r>
+              <a:rPr lang="zh-TW" altLang="en-US" dirty="0" smtClean="0"/>
+              <a:t>刪除</a:t>
+            </a:r>
+            <a:r>
+              <a:rPr lang="zh-TW" altLang="en-US" dirty="0"/>
+              <a:t>房間</a:t>
+            </a:r>
+          </a:p>
+        </p:txBody>
+      </p:sp>
+      <p:sp>
+        <p:nvSpPr>
+          <p:cNvPr id="17" name="文字方塊 16"/>
+          <p:cNvSpPr txBox="1"/>
+          <p:nvPr/>
+        </p:nvSpPr>
+        <p:spPr>
+          <a:xfrm>
+            <a:off x="7139151" y="4413895"/>
+            <a:ext cx="1107996" cy="369332"/>
+          </a:xfrm>
+          <a:prstGeom prst="rect">
+            <a:avLst/>
+          </a:prstGeom>
+          <a:noFill/>
+        </p:spPr>
+        <p:txBody>
+          <a:bodyPr wrap="none" rtlCol="0">
+            <a:spAutoFit/>
+          </a:bodyPr>
+          <a:lstStyle/>
+          <a:p>
+            <a:r>
+              <a:rPr lang="zh-TW" altLang="en-US" dirty="0" smtClean="0"/>
+              <a:t>開會結束</a:t>
+            </a:r>
+            <a:endParaRPr lang="zh-TW" altLang="en-US" dirty="0"/>
+          </a:p>
+        </p:txBody>
+      </p:sp>
+      <p:sp>
+        <p:nvSpPr>
+          <p:cNvPr id="18" name="文字方塊 17"/>
+          <p:cNvSpPr txBox="1"/>
+          <p:nvPr/>
+        </p:nvSpPr>
+        <p:spPr>
+          <a:xfrm>
+            <a:off x="3207161" y="818396"/>
+            <a:ext cx="1107996" cy="369332"/>
+          </a:xfrm>
+          <a:prstGeom prst="rect">
+            <a:avLst/>
+          </a:prstGeom>
+          <a:noFill/>
+        </p:spPr>
+        <p:txBody>
+          <a:bodyPr wrap="none" rtlCol="0">
+            <a:spAutoFit/>
+          </a:bodyPr>
+          <a:lstStyle/>
+          <a:p>
+            <a:r>
+              <a:rPr lang="zh-TW" altLang="en-US" dirty="0" smtClean="0"/>
+              <a:t>建立</a:t>
+            </a:r>
+            <a:r>
+              <a:rPr lang="zh-TW" altLang="en-US" dirty="0"/>
+              <a:t>房間</a:t>
+            </a:r>
+          </a:p>
+        </p:txBody>
+      </p:sp>
+      <p:sp>
+        <p:nvSpPr>
+          <p:cNvPr id="19" name="文字方塊 18"/>
+          <p:cNvSpPr txBox="1"/>
+          <p:nvPr/>
+        </p:nvSpPr>
+        <p:spPr>
+          <a:xfrm>
+            <a:off x="3460533" y="5931758"/>
+            <a:ext cx="646331" cy="369332"/>
+          </a:xfrm>
+          <a:prstGeom prst="rect">
+            <a:avLst/>
+          </a:prstGeom>
+          <a:noFill/>
+        </p:spPr>
+        <p:txBody>
+          <a:bodyPr wrap="none" rtlCol="0">
+            <a:spAutoFit/>
+          </a:bodyPr>
+          <a:lstStyle/>
+          <a:p>
+            <a:r>
+              <a:rPr lang="zh-TW" altLang="en-US" dirty="0"/>
+              <a:t>結束</a:t>
+            </a:r>
+          </a:p>
+        </p:txBody>
+      </p:sp>
+      <p:sp>
+        <p:nvSpPr>
+          <p:cNvPr id="21" name="文字方塊 20"/>
+          <p:cNvSpPr txBox="1"/>
+          <p:nvPr/>
+        </p:nvSpPr>
+        <p:spPr>
+          <a:xfrm>
+            <a:off x="7347171" y="3602704"/>
+            <a:ext cx="646331" cy="369332"/>
+          </a:xfrm>
+          <a:prstGeom prst="rect">
+            <a:avLst/>
+          </a:prstGeom>
+          <a:noFill/>
+        </p:spPr>
+        <p:txBody>
+          <a:bodyPr wrap="none" rtlCol="0">
+            <a:spAutoFit/>
+          </a:bodyPr>
+          <a:lstStyle/>
+          <a:p>
+            <a:r>
+              <a:rPr lang="zh-TW" altLang="en-US" dirty="0" smtClean="0"/>
+              <a:t>開</a:t>
+            </a:r>
+            <a:r>
+              <a:rPr lang="zh-TW" altLang="en-US" dirty="0"/>
+              <a:t>會</a:t>
+            </a:r>
+            <a:endParaRPr lang="zh-TW" altLang="en-US" dirty="0"/>
+          </a:p>
+        </p:txBody>
+      </p:sp>
+      <p:sp>
+        <p:nvSpPr>
+          <p:cNvPr id="24" name="文字方塊 23"/>
+          <p:cNvSpPr txBox="1"/>
+          <p:nvPr/>
+        </p:nvSpPr>
+        <p:spPr>
+          <a:xfrm>
+            <a:off x="3114285" y="1704670"/>
+            <a:ext cx="1338828" cy="369332"/>
+          </a:xfrm>
+          <a:prstGeom prst="rect">
+            <a:avLst/>
+          </a:prstGeom>
+          <a:noFill/>
+        </p:spPr>
+        <p:txBody>
+          <a:bodyPr wrap="none" rtlCol="0">
+            <a:spAutoFit/>
+          </a:bodyPr>
+          <a:lstStyle/>
+          <a:p>
+            <a:r>
+              <a:rPr lang="zh-TW" altLang="en-US" dirty="0" smtClean="0"/>
+              <a:t>指定管理</a:t>
+            </a:r>
+            <a:r>
+              <a:rPr lang="zh-TW" altLang="en-US" dirty="0"/>
+              <a:t>員</a:t>
+            </a:r>
+          </a:p>
+        </p:txBody>
+      </p:sp>
+      <p:sp>
+        <p:nvSpPr>
+          <p:cNvPr id="26" name="文字方塊 25"/>
+          <p:cNvSpPr txBox="1"/>
+          <p:nvPr/>
+        </p:nvSpPr>
+        <p:spPr>
+          <a:xfrm>
+            <a:off x="3235607" y="2667835"/>
+            <a:ext cx="1107996" cy="369332"/>
+          </a:xfrm>
+          <a:prstGeom prst="rect">
+            <a:avLst/>
+          </a:prstGeom>
+          <a:noFill/>
+        </p:spPr>
+        <p:txBody>
+          <a:bodyPr wrap="none" rtlCol="0">
+            <a:spAutoFit/>
+          </a:bodyPr>
+          <a:lstStyle/>
+          <a:p>
+            <a:r>
+              <a:rPr lang="zh-TW" altLang="en-US" dirty="0" smtClean="0"/>
+              <a:t>邀請房</a:t>
+            </a:r>
+            <a:r>
+              <a:rPr lang="zh-TW" altLang="en-US" dirty="0"/>
+              <a:t>客</a:t>
+            </a:r>
+          </a:p>
+        </p:txBody>
+      </p:sp>
+      <p:cxnSp>
+        <p:nvCxnSpPr>
+          <p:cNvPr id="33" name="直線單箭頭接點 32"/>
+          <p:cNvCxnSpPr>
+            <a:endCxn id="24" idx="0"/>
+          </p:cNvCxnSpPr>
+          <p:nvPr/>
+        </p:nvCxnSpPr>
+        <p:spPr>
+          <a:xfrm>
+            <a:off x="3783698" y="1274885"/>
+            <a:ext cx="1" cy="429785"/>
+          </a:xfrm>
+          <a:prstGeom prst="straightConnector1">
+            <a:avLst/>
+          </a:prstGeom>
+          <a:ln>
+            <a:tailEnd type="triangle"/>
+          </a:ln>
+        </p:spPr>
+        <p:style>
+          <a:lnRef idx="1">
+            <a:schemeClr val="accent1"/>
+          </a:lnRef>
+          <a:fillRef idx="0">
+            <a:schemeClr val="accent1"/>
+          </a:fillRef>
+          <a:effectRef idx="0">
+            <a:schemeClr val="accent1"/>
+          </a:effectRef>
+          <a:fontRef idx="minor">
+            <a:schemeClr val="tx1"/>
+          </a:fontRef>
+        </p:style>
+      </p:cxnSp>
+      <p:cxnSp>
+        <p:nvCxnSpPr>
+          <p:cNvPr id="35" name="直線單箭頭接點 34"/>
+          <p:cNvCxnSpPr>
+            <a:stCxn id="24" idx="2"/>
+            <a:endCxn id="26" idx="0"/>
+          </p:cNvCxnSpPr>
+          <p:nvPr/>
+        </p:nvCxnSpPr>
+        <p:spPr>
+          <a:xfrm>
+            <a:off x="3783699" y="2074002"/>
+            <a:ext cx="5906" cy="593833"/>
+          </a:xfrm>
+          <a:prstGeom prst="straightConnector1">
+            <a:avLst/>
+          </a:prstGeom>
+          <a:ln>
+            <a:tailEnd type="triangle"/>
+          </a:ln>
+        </p:spPr>
+        <p:style>
+          <a:lnRef idx="1">
+            <a:schemeClr val="accent1"/>
+          </a:lnRef>
+          <a:fillRef idx="0">
+            <a:schemeClr val="accent1"/>
+          </a:fillRef>
+          <a:effectRef idx="0">
+            <a:schemeClr val="accent1"/>
+          </a:effectRef>
+          <a:fontRef idx="minor">
+            <a:schemeClr val="tx1"/>
+          </a:fontRef>
+        </p:style>
+      </p:cxnSp>
+      <p:cxnSp>
+        <p:nvCxnSpPr>
+          <p:cNvPr id="37" name="直線單箭頭接點 36"/>
+          <p:cNvCxnSpPr>
+            <a:endCxn id="21" idx="1"/>
+          </p:cNvCxnSpPr>
+          <p:nvPr/>
+        </p:nvCxnSpPr>
+        <p:spPr>
+          <a:xfrm>
+            <a:off x="4519246" y="2873828"/>
+            <a:ext cx="2827925" cy="913542"/>
+          </a:xfrm>
+          <a:prstGeom prst="straightConnector1">
+            <a:avLst/>
+          </a:prstGeom>
+          <a:ln>
+            <a:tailEnd type="triangle"/>
+          </a:ln>
+        </p:spPr>
+        <p:style>
+          <a:lnRef idx="1">
+            <a:schemeClr val="accent1"/>
+          </a:lnRef>
+          <a:fillRef idx="0">
+            <a:schemeClr val="accent1"/>
+          </a:fillRef>
+          <a:effectRef idx="0">
+            <a:schemeClr val="accent1"/>
+          </a:effectRef>
+          <a:fontRef idx="minor">
+            <a:schemeClr val="tx1"/>
+          </a:fontRef>
+        </p:style>
+      </p:cxnSp>
+      <p:cxnSp>
+        <p:nvCxnSpPr>
+          <p:cNvPr id="39" name="直線接點 38"/>
+          <p:cNvCxnSpPr>
+            <a:endCxn id="17" idx="0"/>
+          </p:cNvCxnSpPr>
+          <p:nvPr/>
+        </p:nvCxnSpPr>
+        <p:spPr>
+          <a:xfrm>
+            <a:off x="7693149" y="4088423"/>
+            <a:ext cx="0" cy="325472"/>
+          </a:xfrm>
+          <a:prstGeom prst="line">
+            <a:avLst/>
+          </a:prstGeom>
+        </p:spPr>
+        <p:style>
+          <a:lnRef idx="1">
+            <a:schemeClr val="accent1"/>
+          </a:lnRef>
+          <a:fillRef idx="0">
+            <a:schemeClr val="accent1"/>
+          </a:fillRef>
+          <a:effectRef idx="0">
+            <a:schemeClr val="accent1"/>
+          </a:effectRef>
+          <a:fontRef idx="minor">
+            <a:schemeClr val="tx1"/>
+          </a:fontRef>
+        </p:style>
+      </p:cxnSp>
+      <p:cxnSp>
+        <p:nvCxnSpPr>
+          <p:cNvPr id="41" name="直線單箭頭接點 40"/>
+          <p:cNvCxnSpPr>
+            <a:stCxn id="17" idx="1"/>
+            <a:endCxn id="16" idx="3"/>
+          </p:cNvCxnSpPr>
+          <p:nvPr/>
+        </p:nvCxnSpPr>
+        <p:spPr>
+          <a:xfrm flipH="1">
+            <a:off x="4337697" y="4598561"/>
+            <a:ext cx="2801454" cy="855262"/>
+          </a:xfrm>
+          <a:prstGeom prst="straightConnector1">
+            <a:avLst/>
+          </a:prstGeom>
+          <a:ln>
+            <a:tailEnd type="triangle"/>
+          </a:ln>
+        </p:spPr>
+        <p:style>
+          <a:lnRef idx="1">
+            <a:schemeClr val="accent1"/>
+          </a:lnRef>
+          <a:fillRef idx="0">
+            <a:schemeClr val="accent1"/>
+          </a:fillRef>
+          <a:effectRef idx="0">
+            <a:schemeClr val="accent1"/>
+          </a:effectRef>
+          <a:fontRef idx="minor">
+            <a:schemeClr val="tx1"/>
+          </a:fontRef>
+        </p:style>
+      </p:cxnSp>
+      <p:cxnSp>
+        <p:nvCxnSpPr>
+          <p:cNvPr id="43" name="直線單箭頭接點 42"/>
+          <p:cNvCxnSpPr>
+            <a:stCxn id="16" idx="2"/>
+          </p:cNvCxnSpPr>
+          <p:nvPr/>
+        </p:nvCxnSpPr>
+        <p:spPr>
+          <a:xfrm flipH="1">
+            <a:off x="3783698" y="5638489"/>
+            <a:ext cx="1" cy="477935"/>
+          </a:xfrm>
+          <a:prstGeom prst="straightConnector1">
+            <a:avLst/>
+          </a:prstGeom>
+          <a:ln>
+            <a:tailEnd type="triangle"/>
+          </a:ln>
+        </p:spPr>
+        <p:style>
+          <a:lnRef idx="1">
+            <a:schemeClr val="accent1"/>
+          </a:lnRef>
+          <a:fillRef idx="0">
+            <a:schemeClr val="accent1"/>
+          </a:fillRef>
+          <a:effectRef idx="0">
+            <a:schemeClr val="accent1"/>
+          </a:effectRef>
+          <a:fontRef idx="minor">
+            <a:schemeClr val="tx1"/>
+          </a:fontRef>
+        </p:style>
+      </p:cxnSp>
+    </p:spTree>
+    <p:extLst>
+      <p:ext uri="{BB962C8B-B14F-4D97-AF65-F5344CB8AC3E}">
+        <p14:creationId xmlns:p14="http://schemas.microsoft.com/office/powerpoint/2010/main" val="1534870771"/>
+      </p:ext>
+    </p:extLst>
+  </p:cSld>
+  <p:clrMapOvr>
+    <a:masterClrMapping/>
+  </p:clrMapOvr>
+</p:sld>
+</file>
+
 <file path=ppt/slides/slide2.xml><?xml version="1.0" encoding="utf-8"?>
 <p:sld xmlns:a="http://schemas.openxmlformats.org/drawingml/2006/main" xmlns:r="http://schemas.openxmlformats.org/officeDocument/2006/relationships" xmlns:p="http://schemas.openxmlformats.org/presentationml/2006/main">
   <p:cSld>

--- a/線上會議APP改2.pptx
+++ b/線上會議APP改2.pptx
@@ -5478,6 +5478,71 @@
           </a:fontRef>
         </p:style>
       </p:cxnSp>
+      <p:sp>
+        <p:nvSpPr>
+          <p:cNvPr id="45" name="文字方塊 44"/>
+          <p:cNvSpPr txBox="1"/>
+          <p:nvPr/>
+        </p:nvSpPr>
+        <p:spPr>
+          <a:xfrm>
+            <a:off x="369277" y="457171"/>
+            <a:ext cx="476390" cy="5078313"/>
+          </a:xfrm>
+          <a:prstGeom prst="rect">
+            <a:avLst/>
+          </a:prstGeom>
+          <a:noFill/>
+        </p:spPr>
+        <p:txBody>
+          <a:bodyPr wrap="square" rtlCol="0">
+            <a:spAutoFit/>
+          </a:bodyPr>
+          <a:lstStyle/>
+          <a:p>
+            <a:r>
+              <a:rPr lang="zh-TW" altLang="en-US" sz="5400" dirty="0" smtClean="0"/>
+              <a:t>企</a:t>
+            </a:r>
+            <a:endParaRPr lang="en-US" altLang="zh-TW" sz="5400" dirty="0" smtClean="0"/>
+          </a:p>
+          <a:p>
+            <a:r>
+              <a:rPr lang="zh-TW" altLang="en-US" sz="5400" dirty="0" smtClean="0"/>
+              <a:t>業</a:t>
+            </a:r>
+            <a:endParaRPr lang="en-US" altLang="zh-TW" sz="5400" dirty="0" smtClean="0"/>
+          </a:p>
+          <a:p>
+            <a:r>
+              <a:rPr lang="zh-TW" altLang="en-US" sz="5400" dirty="0" smtClean="0"/>
+              <a:t>流</a:t>
+            </a:r>
+            <a:endParaRPr lang="en-US" altLang="zh-TW" sz="5400" dirty="0" smtClean="0"/>
+          </a:p>
+          <a:p>
+            <a:r>
+              <a:rPr lang="zh-TW" altLang="en-US" sz="5400" dirty="0" smtClean="0"/>
+              <a:t>程</a:t>
+            </a:r>
+            <a:endParaRPr lang="en-US" altLang="zh-TW" sz="5400" dirty="0" smtClean="0"/>
+          </a:p>
+          <a:p>
+            <a:r>
+              <a:rPr lang="zh-TW" altLang="en-US" sz="5400" dirty="0" smtClean="0"/>
+              <a:t>分</a:t>
+            </a:r>
+            <a:endParaRPr lang="en-US" altLang="zh-TW" sz="5400" dirty="0" smtClean="0"/>
+          </a:p>
+          <a:p>
+            <a:r>
+              <a:rPr lang="zh-TW" altLang="en-US" sz="5400" dirty="0" smtClean="0"/>
+              <a:t>析</a:t>
+            </a:r>
+            <a:endParaRPr lang="zh-TW" altLang="en-US" sz="5400" dirty="0"/>
+          </a:p>
+        </p:txBody>
+      </p:sp>
     </p:spTree>
     <p:extLst>
       <p:ext uri="{BB962C8B-B14F-4D97-AF65-F5344CB8AC3E}">

--- a/線上會議APP改2.pptx
+++ b/線上會議APP改2.pptx
@@ -16,6 +16,7 @@
     <p:sldId id="264" r:id="rId10"/>
     <p:sldId id="265" r:id="rId11"/>
     <p:sldId id="266" r:id="rId12"/>
+    <p:sldId id="267" r:id="rId13"/>
   </p:sldIdLst>
   <p:sldSz cx="12192000" cy="6858000"/>
   <p:notesSz cx="6858000" cy="9144000"/>
@@ -5556,6 +5557,152 @@
 </p:sld>
 </file>
 
+<file path=ppt/slides/slide12.xml><?xml version="1.0" encoding="utf-8"?>
+<p:sld xmlns:a="http://schemas.openxmlformats.org/drawingml/2006/main" xmlns:r="http://schemas.openxmlformats.org/officeDocument/2006/relationships" xmlns:p="http://schemas.openxmlformats.org/presentationml/2006/main">
+  <p:cSld>
+    <p:spTree>
+      <p:nvGrpSpPr>
+        <p:cNvPr id="1" name=""/>
+        <p:cNvGrpSpPr/>
+        <p:nvPr/>
+      </p:nvGrpSpPr>
+      <p:grpSpPr>
+        <a:xfrm>
+          <a:off x="0" y="0"/>
+          <a:ext cx="0" cy="0"/>
+          <a:chOff x="0" y="0"/>
+          <a:chExt cx="0" cy="0"/>
+        </a:xfrm>
+      </p:grpSpPr>
+      <p:sp>
+        <p:nvSpPr>
+          <p:cNvPr id="2" name="標題 1"/>
+          <p:cNvSpPr>
+            <a:spLocks noGrp="1"/>
+          </p:cNvSpPr>
+          <p:nvPr>
+            <p:ph type="title"/>
+          </p:nvPr>
+        </p:nvSpPr>
+        <p:spPr/>
+        <p:txBody>
+          <a:bodyPr/>
+          <a:lstStyle/>
+          <a:p>
+            <a:pPr algn="ctr"/>
+            <a:r>
+              <a:rPr lang="zh-TW" altLang="en-US" dirty="0"/>
+              <a:t>需求確認</a:t>
+            </a:r>
+          </a:p>
+        </p:txBody>
+      </p:sp>
+      <p:sp>
+        <p:nvSpPr>
+          <p:cNvPr id="3" name="內容版面配置區 2"/>
+          <p:cNvSpPr>
+            <a:spLocks noGrp="1"/>
+          </p:cNvSpPr>
+          <p:nvPr>
+            <p:ph idx="1"/>
+          </p:nvPr>
+        </p:nvSpPr>
+        <p:spPr/>
+        <p:txBody>
+          <a:bodyPr/>
+          <a:lstStyle/>
+          <a:p>
+            <a:r>
+              <a:rPr lang="en-US" altLang="zh-TW" dirty="0" smtClean="0"/>
+              <a:t>-</a:t>
+            </a:r>
+            <a:r>
+              <a:rPr lang="zh-TW" altLang="en-US" dirty="0" smtClean="0"/>
+              <a:t>一鍵建立房間</a:t>
+            </a:r>
+            <a:endParaRPr lang="en-US" altLang="zh-TW" dirty="0" smtClean="0"/>
+          </a:p>
+          <a:p>
+            <a:r>
+              <a:rPr lang="en-US" altLang="zh-TW" dirty="0" smtClean="0"/>
+              <a:t>-</a:t>
+            </a:r>
+            <a:r>
+              <a:rPr lang="zh-TW" altLang="en-US" dirty="0" smtClean="0"/>
+              <a:t>圖形化的使用者介面</a:t>
+            </a:r>
+            <a:endParaRPr lang="en-US" altLang="zh-TW" dirty="0" smtClean="0"/>
+          </a:p>
+          <a:p>
+            <a:r>
+              <a:rPr lang="en-US" altLang="zh-TW" dirty="0" smtClean="0"/>
+              <a:t>-</a:t>
+            </a:r>
+            <a:r>
+              <a:rPr lang="zh-TW" altLang="en-US" dirty="0" smtClean="0"/>
+              <a:t>個人資料使用</a:t>
+            </a:r>
+            <a:r>
+              <a:rPr lang="en-US" altLang="zh-TW" dirty="0" smtClean="0"/>
+              <a:t>RSA</a:t>
+            </a:r>
+            <a:r>
+              <a:rPr lang="zh-TW" altLang="en-US" dirty="0" smtClean="0"/>
+              <a:t>加密</a:t>
+            </a:r>
+            <a:endParaRPr lang="en-US" altLang="zh-TW" dirty="0" smtClean="0"/>
+          </a:p>
+          <a:p>
+            <a:r>
+              <a:rPr lang="en-US" altLang="zh-TW" dirty="0" smtClean="0"/>
+              <a:t>-</a:t>
+            </a:r>
+            <a:r>
+              <a:rPr lang="zh-TW" altLang="en-US" dirty="0" smtClean="0"/>
+              <a:t>內建簡易的語意分析</a:t>
+            </a:r>
+            <a:endParaRPr lang="en-US" altLang="zh-TW" dirty="0" smtClean="0"/>
+          </a:p>
+          <a:p>
+            <a:r>
+              <a:rPr lang="en-US" altLang="zh-TW" dirty="0" smtClean="0"/>
+              <a:t>-</a:t>
+            </a:r>
+            <a:r>
+              <a:rPr lang="zh-TW" altLang="en-US" dirty="0" smtClean="0"/>
+              <a:t>新增雜訊濾波器</a:t>
+            </a:r>
+            <a:endParaRPr lang="en-US" altLang="zh-TW" dirty="0" smtClean="0"/>
+          </a:p>
+          <a:p>
+            <a:r>
+              <a:rPr lang="en-US" altLang="zh-TW" dirty="0" smtClean="0"/>
+              <a:t>-</a:t>
+            </a:r>
+            <a:r>
+              <a:rPr lang="zh-TW" altLang="en-US" smtClean="0"/>
+              <a:t>在網站上可以一鍵下載與安裝</a:t>
+            </a:r>
+            <a:endParaRPr lang="en-US" altLang="zh-TW" dirty="0" smtClean="0"/>
+          </a:p>
+          <a:p>
+            <a:endParaRPr lang="zh-TW" altLang="en-US" dirty="0"/>
+          </a:p>
+        </p:txBody>
+      </p:sp>
+    </p:spTree>
+    <p:extLst>
+      <p:ext uri="{BB962C8B-B14F-4D97-AF65-F5344CB8AC3E}">
+        <p14:creationId xmlns:p14="http://schemas.microsoft.com/office/powerpoint/2010/main" val="3735934146"/>
+      </p:ext>
+    </p:extLst>
+  </p:cSld>
+  <p:clrMapOvr>
+    <a:masterClrMapping/>
+  </p:clrMapOvr>
+</p:sld>
+</file>
+
 <file path=ppt/slides/slide2.xml><?xml version="1.0" encoding="utf-8"?>
 <p:sld xmlns:a="http://schemas.openxmlformats.org/drawingml/2006/main" xmlns:r="http://schemas.openxmlformats.org/officeDocument/2006/relationships" xmlns:p="http://schemas.openxmlformats.org/presentationml/2006/main">
   <p:cSld>
@@ -6011,7 +6158,7 @@
         </p:nvGraphicFramePr>
         <p:xfrm>
           <a:off x="827689" y="1387803"/>
-          <a:ext cx="10536621" cy="5160290"/>
+          <a:ext cx="10536621" cy="5122635"/>
         </p:xfrm>
         <a:graphic>
           <a:graphicData uri="http://schemas.openxmlformats.org/drawingml/2006/table">
@@ -7014,14 +7161,14 @@
             <p:ph idx="1"/>
             <p:extLst>
               <p:ext uri="{D42A27DB-BD31-4B8C-83A1-F6EECF244321}">
-                <p14:modId xmlns:p14="http://schemas.microsoft.com/office/powerpoint/2010/main" val="1700949745"/>
+                <p14:modId xmlns:p14="http://schemas.microsoft.com/office/powerpoint/2010/main" val="3282475198"/>
               </p:ext>
             </p:extLst>
           </p:nvPr>
         </p:nvGraphicFramePr>
         <p:xfrm>
           <a:off x="1061183" y="70338"/>
-          <a:ext cx="10058400" cy="6796454"/>
+          <a:ext cx="10058400" cy="6758799"/>
         </p:xfrm>
         <a:graphic>
           <a:graphicData uri="http://schemas.openxmlformats.org/drawingml/2006/table">
@@ -7605,7 +7752,11 @@
                     <a:p>
                       <a:r>
                         <a:rPr lang="zh-TW" altLang="en-US" sz="1400" dirty="0" smtClean="0"/>
-                        <a:t>文法及算式除錯</a:t>
+                        <a:t>字彙及</a:t>
+                      </a:r>
+                      <a:r>
+                        <a:rPr lang="zh-TW" altLang="en-US" sz="1400" dirty="0" smtClean="0"/>
+                        <a:t>算式除錯</a:t>
                       </a:r>
                       <a:endParaRPr lang="zh-TW" altLang="en-US" sz="1400" dirty="0"/>
                     </a:p>

--- a/線上會議APP改2.pptx
+++ b/線上會議APP改2.pptx
@@ -526,7 +526,7 @@
           <a:p>
             <a:fld id="{BC5C277B-6EEB-4537-BA44-C76B47A32278}" type="datetimeFigureOut">
               <a:rPr lang="zh-TW" altLang="en-US" smtClean="0"/>
-              <a:t>2020/9/2</a:t>
+              <a:t>2020/9/9</a:t>
             </a:fld>
             <a:endParaRPr lang="zh-TW" altLang="en-US"/>
           </a:p>
@@ -705,7 +705,7 @@
           <a:p>
             <a:fld id="{BC5C277B-6EEB-4537-BA44-C76B47A32278}" type="datetimeFigureOut">
               <a:rPr lang="zh-TW" altLang="en-US" smtClean="0"/>
-              <a:t>2020/9/2</a:t>
+              <a:t>2020/9/9</a:t>
             </a:fld>
             <a:endParaRPr lang="zh-TW" altLang="en-US"/>
           </a:p>
@@ -885,7 +885,7 @@
           <a:p>
             <a:fld id="{BC5C277B-6EEB-4537-BA44-C76B47A32278}" type="datetimeFigureOut">
               <a:rPr lang="zh-TW" altLang="en-US" smtClean="0"/>
-              <a:t>2020/9/2</a:t>
+              <a:t>2020/9/9</a:t>
             </a:fld>
             <a:endParaRPr lang="zh-TW" altLang="en-US"/>
           </a:p>
@@ -1055,7 +1055,7 @@
           <a:p>
             <a:fld id="{BC5C277B-6EEB-4537-BA44-C76B47A32278}" type="datetimeFigureOut">
               <a:rPr lang="zh-TW" altLang="en-US" smtClean="0"/>
-              <a:t>2020/9/2</a:t>
+              <a:t>2020/9/9</a:t>
             </a:fld>
             <a:endParaRPr lang="zh-TW" altLang="en-US"/>
           </a:p>
@@ -1368,7 +1368,7 @@
           <a:p>
             <a:fld id="{BC5C277B-6EEB-4537-BA44-C76B47A32278}" type="datetimeFigureOut">
               <a:rPr lang="zh-TW" altLang="en-US" smtClean="0"/>
-              <a:t>2020/9/2</a:t>
+              <a:t>2020/9/9</a:t>
             </a:fld>
             <a:endParaRPr lang="zh-TW" altLang="en-US"/>
           </a:p>
@@ -1754,7 +1754,7 @@
           <a:p>
             <a:fld id="{BC5C277B-6EEB-4537-BA44-C76B47A32278}" type="datetimeFigureOut">
               <a:rPr lang="zh-TW" altLang="en-US" smtClean="0"/>
-              <a:t>2020/9/2</a:t>
+              <a:t>2020/9/9</a:t>
             </a:fld>
             <a:endParaRPr lang="zh-TW" altLang="en-US"/>
           </a:p>
@@ -2188,7 +2188,7 @@
           <a:p>
             <a:fld id="{BC5C277B-6EEB-4537-BA44-C76B47A32278}" type="datetimeFigureOut">
               <a:rPr lang="zh-TW" altLang="en-US" smtClean="0"/>
-              <a:t>2020/9/2</a:t>
+              <a:t>2020/9/9</a:t>
             </a:fld>
             <a:endParaRPr lang="zh-TW" altLang="en-US"/>
           </a:p>
@@ -2306,7 +2306,7 @@
           <a:p>
             <a:fld id="{BC5C277B-6EEB-4537-BA44-C76B47A32278}" type="datetimeFigureOut">
               <a:rPr lang="zh-TW" altLang="en-US" smtClean="0"/>
-              <a:t>2020/9/2</a:t>
+              <a:t>2020/9/9</a:t>
             </a:fld>
             <a:endParaRPr lang="zh-TW" altLang="en-US"/>
           </a:p>
@@ -2401,7 +2401,7 @@
           <a:p>
             <a:fld id="{BC5C277B-6EEB-4537-BA44-C76B47A32278}" type="datetimeFigureOut">
               <a:rPr lang="zh-TW" altLang="en-US" smtClean="0"/>
-              <a:t>2020/9/2</a:t>
+              <a:t>2020/9/9</a:t>
             </a:fld>
             <a:endParaRPr lang="zh-TW" altLang="en-US"/>
           </a:p>
@@ -2751,7 +2751,7 @@
           <a:p>
             <a:fld id="{BC5C277B-6EEB-4537-BA44-C76B47A32278}" type="datetimeFigureOut">
               <a:rPr lang="zh-TW" altLang="en-US" smtClean="0"/>
-              <a:t>2020/9/2</a:t>
+              <a:t>2020/9/9</a:t>
             </a:fld>
             <a:endParaRPr lang="zh-TW" altLang="en-US"/>
           </a:p>
@@ -3176,7 +3176,7 @@
           <a:p>
             <a:fld id="{BC5C277B-6EEB-4537-BA44-C76B47A32278}" type="datetimeFigureOut">
               <a:rPr lang="zh-TW" altLang="en-US" smtClean="0"/>
-              <a:t>2020/9/2</a:t>
+              <a:t>2020/9/9</a:t>
             </a:fld>
             <a:endParaRPr lang="zh-TW" altLang="en-US"/>
           </a:p>
@@ -3457,7 +3457,7 @@
           <a:p>
             <a:fld id="{BC5C277B-6EEB-4537-BA44-C76B47A32278}" type="datetimeFigureOut">
               <a:rPr lang="zh-TW" altLang="en-US" smtClean="0"/>
-              <a:t>2020/9/2</a:t>
+              <a:t>2020/9/9</a:t>
             </a:fld>
             <a:endParaRPr lang="zh-TW" altLang="en-US"/>
           </a:p>
@@ -4328,12 +4328,8 @@
           <a:lstStyle/>
           <a:p>
             <a:r>
-              <a:rPr lang="zh-TW" altLang="en-US" dirty="0" smtClean="0"/>
-              <a:t>刪除</a:t>
-            </a:r>
-            <a:r>
               <a:rPr lang="zh-TW" altLang="en-US" dirty="0"/>
-              <a:t>房間</a:t>
+              <a:t>刪除房間</a:t>
             </a:r>
           </a:p>
         </p:txBody>
@@ -4361,10 +4357,9 @@
           <a:lstStyle/>
           <a:p>
             <a:r>
-              <a:rPr lang="zh-TW" altLang="en-US" dirty="0" smtClean="0"/>
+              <a:rPr lang="zh-TW" altLang="en-US" dirty="0"/>
               <a:t>開會結束</a:t>
             </a:r>
-            <a:endParaRPr lang="zh-TW" altLang="en-US" dirty="0"/>
           </a:p>
         </p:txBody>
       </p:sp>
@@ -4391,12 +4386,8 @@
           <a:lstStyle/>
           <a:p>
             <a:r>
-              <a:rPr lang="zh-TW" altLang="en-US" dirty="0" smtClean="0"/>
-              <a:t>建立</a:t>
-            </a:r>
-            <a:r>
               <a:rPr lang="zh-TW" altLang="en-US" dirty="0"/>
-              <a:t>房間</a:t>
+              <a:t>建立房間</a:t>
             </a:r>
           </a:p>
         </p:txBody>
@@ -4457,10 +4448,9 @@
           <a:lstStyle/>
           <a:p>
             <a:r>
-              <a:rPr lang="zh-TW" altLang="en-US" sz="3600" dirty="0" smtClean="0"/>
+              <a:rPr lang="zh-TW" altLang="en-US" sz="3600" dirty="0"/>
               <a:t>房間的狀態行為分析</a:t>
             </a:r>
-            <a:endParaRPr lang="zh-TW" altLang="en-US" sz="3600" dirty="0"/>
           </a:p>
         </p:txBody>
       </p:sp>
@@ -4487,12 +4477,8 @@
           <a:lstStyle/>
           <a:p>
             <a:r>
-              <a:rPr lang="zh-TW" altLang="en-US" dirty="0" smtClean="0"/>
-              <a:t>空房</a:t>
-            </a:r>
-            <a:r>
               <a:rPr lang="zh-TW" altLang="en-US" dirty="0"/>
-              <a:t>間</a:t>
+              <a:t>空房間</a:t>
             </a:r>
           </a:p>
         </p:txBody>
@@ -4520,12 +4506,8 @@
           <a:lstStyle/>
           <a:p>
             <a:r>
-              <a:rPr lang="zh-TW" altLang="en-US" dirty="0" smtClean="0"/>
-              <a:t>滿人</a:t>
-            </a:r>
-            <a:r>
               <a:rPr lang="zh-TW" altLang="en-US" dirty="0"/>
-              <a:t>房間</a:t>
+              <a:t>滿人房間</a:t>
             </a:r>
           </a:p>
         </p:txBody>
@@ -4619,12 +4601,8 @@
           <a:lstStyle/>
           <a:p>
             <a:r>
-              <a:rPr lang="zh-TW" altLang="en-US" dirty="0" smtClean="0"/>
-              <a:t>指定管理</a:t>
-            </a:r>
-            <a:r>
               <a:rPr lang="zh-TW" altLang="en-US" dirty="0"/>
-              <a:t>員</a:t>
+              <a:t>指定管理員</a:t>
             </a:r>
           </a:p>
         </p:txBody>
@@ -4652,17 +4630,16 @@
           <a:lstStyle/>
           <a:p>
             <a:r>
-              <a:rPr lang="zh-TW" altLang="en-US" dirty="0" smtClean="0"/>
+              <a:rPr lang="zh-TW" altLang="en-US" dirty="0"/>
               <a:t>有管理員</a:t>
             </a:r>
-            <a:endParaRPr lang="en-US" altLang="zh-TW" dirty="0" smtClean="0"/>
-          </a:p>
-          <a:p>
-            <a:r>
-              <a:rPr lang="zh-TW" altLang="en-US" dirty="0" smtClean="0"/>
+            <a:endParaRPr lang="en-US" altLang="zh-TW" dirty="0"/>
+          </a:p>
+          <a:p>
+            <a:r>
+              <a:rPr lang="zh-TW" altLang="en-US" dirty="0"/>
               <a:t>的房間</a:t>
             </a:r>
-            <a:endParaRPr lang="zh-TW" altLang="en-US" dirty="0"/>
           </a:p>
         </p:txBody>
       </p:sp>
@@ -4689,12 +4666,8 @@
           <a:lstStyle/>
           <a:p>
             <a:r>
-              <a:rPr lang="zh-TW" altLang="en-US" dirty="0" smtClean="0"/>
-              <a:t>邀請房</a:t>
-            </a:r>
-            <a:r>
               <a:rPr lang="zh-TW" altLang="en-US" dirty="0"/>
-              <a:t>客</a:t>
+              <a:t>邀請房客</a:t>
             </a:r>
           </a:p>
         </p:txBody>
@@ -4722,17 +4695,16 @@
           <a:lstStyle/>
           <a:p>
             <a:r>
-              <a:rPr lang="zh-TW" altLang="en-US" dirty="0" smtClean="0"/>
+              <a:rPr lang="zh-TW" altLang="en-US" dirty="0"/>
               <a:t>剩管理員</a:t>
             </a:r>
-            <a:endParaRPr lang="en-US" altLang="zh-TW" dirty="0" smtClean="0"/>
-          </a:p>
-          <a:p>
-            <a:r>
-              <a:rPr lang="zh-TW" altLang="en-US" dirty="0" smtClean="0"/>
+            <a:endParaRPr lang="en-US" altLang="zh-TW" dirty="0"/>
+          </a:p>
+          <a:p>
+            <a:r>
+              <a:rPr lang="zh-TW" altLang="en-US" dirty="0"/>
               <a:t>的房間</a:t>
             </a:r>
-            <a:endParaRPr lang="zh-TW" altLang="en-US" dirty="0"/>
           </a:p>
         </p:txBody>
       </p:sp>
@@ -5005,10 +4977,9 @@
           <a:lstStyle/>
           <a:p>
             <a:r>
-              <a:rPr lang="zh-TW" altLang="en-US" dirty="0" smtClean="0"/>
+              <a:rPr lang="zh-TW" altLang="en-US" dirty="0"/>
               <a:t>管理員</a:t>
             </a:r>
-            <a:endParaRPr lang="zh-TW" altLang="en-US" dirty="0"/>
           </a:p>
         </p:txBody>
       </p:sp>
@@ -5035,12 +5006,8 @@
           <a:lstStyle/>
           <a:p>
             <a:r>
-              <a:rPr lang="zh-TW" altLang="en-US" dirty="0" smtClean="0"/>
-              <a:t>房間成</a:t>
-            </a:r>
-            <a:r>
               <a:rPr lang="zh-TW" altLang="en-US" dirty="0"/>
-              <a:t>員</a:t>
+              <a:t>房間成員</a:t>
             </a:r>
           </a:p>
         </p:txBody>
@@ -5068,12 +5035,8 @@
           <a:lstStyle/>
           <a:p>
             <a:r>
-              <a:rPr lang="zh-TW" altLang="en-US" dirty="0" smtClean="0"/>
-              <a:t>刪除</a:t>
-            </a:r>
-            <a:r>
               <a:rPr lang="zh-TW" altLang="en-US" dirty="0"/>
-              <a:t>房間</a:t>
+              <a:t>刪除房間</a:t>
             </a:r>
           </a:p>
         </p:txBody>
@@ -5101,10 +5064,9 @@
           <a:lstStyle/>
           <a:p>
             <a:r>
-              <a:rPr lang="zh-TW" altLang="en-US" dirty="0" smtClean="0"/>
+              <a:rPr lang="zh-TW" altLang="en-US" dirty="0"/>
               <a:t>開會結束</a:t>
             </a:r>
-            <a:endParaRPr lang="zh-TW" altLang="en-US" dirty="0"/>
           </a:p>
         </p:txBody>
       </p:sp>
@@ -5131,12 +5093,8 @@
           <a:lstStyle/>
           <a:p>
             <a:r>
-              <a:rPr lang="zh-TW" altLang="en-US" dirty="0" smtClean="0"/>
-              <a:t>建立</a:t>
-            </a:r>
-            <a:r>
               <a:rPr lang="zh-TW" altLang="en-US" dirty="0"/>
-              <a:t>房間</a:t>
+              <a:t>建立房間</a:t>
             </a:r>
           </a:p>
         </p:txBody>
@@ -5193,14 +5151,9 @@
           <a:lstStyle/>
           <a:p>
             <a:r>
-              <a:rPr lang="zh-TW" altLang="en-US" dirty="0" smtClean="0"/>
-              <a:t>開</a:t>
-            </a:r>
-            <a:r>
               <a:rPr lang="zh-TW" altLang="en-US" dirty="0"/>
-              <a:t>會</a:t>
-            </a:r>
-            <a:endParaRPr lang="zh-TW" altLang="en-US" dirty="0"/>
+              <a:t>開會</a:t>
+            </a:r>
           </a:p>
         </p:txBody>
       </p:sp>
@@ -5227,12 +5180,8 @@
           <a:lstStyle/>
           <a:p>
             <a:r>
-              <a:rPr lang="zh-TW" altLang="en-US" dirty="0" smtClean="0"/>
-              <a:t>指定管理</a:t>
-            </a:r>
-            <a:r>
               <a:rPr lang="zh-TW" altLang="en-US" dirty="0"/>
-              <a:t>員</a:t>
+              <a:t>指定管理員</a:t>
             </a:r>
           </a:p>
         </p:txBody>
@@ -5260,12 +5209,8 @@
           <a:lstStyle/>
           <a:p>
             <a:r>
-              <a:rPr lang="zh-TW" altLang="en-US" dirty="0" smtClean="0"/>
-              <a:t>邀請房</a:t>
-            </a:r>
-            <a:r>
               <a:rPr lang="zh-TW" altLang="en-US" dirty="0"/>
-              <a:t>客</a:t>
+              <a:t>邀請房客</a:t>
             </a:r>
           </a:p>
         </p:txBody>
@@ -5502,45 +5447,44 @@
           <a:lstStyle/>
           <a:p>
             <a:r>
-              <a:rPr lang="zh-TW" altLang="en-US" sz="5400" dirty="0" smtClean="0"/>
+              <a:rPr lang="zh-TW" altLang="en-US" sz="5400" dirty="0"/>
               <a:t>企</a:t>
             </a:r>
-            <a:endParaRPr lang="en-US" altLang="zh-TW" sz="5400" dirty="0" smtClean="0"/>
-          </a:p>
-          <a:p>
-            <a:r>
-              <a:rPr lang="zh-TW" altLang="en-US" sz="5400" dirty="0" smtClean="0"/>
+            <a:endParaRPr lang="en-US" altLang="zh-TW" sz="5400" dirty="0"/>
+          </a:p>
+          <a:p>
+            <a:r>
+              <a:rPr lang="zh-TW" altLang="en-US" sz="5400" dirty="0"/>
               <a:t>業</a:t>
             </a:r>
-            <a:endParaRPr lang="en-US" altLang="zh-TW" sz="5400" dirty="0" smtClean="0"/>
-          </a:p>
-          <a:p>
-            <a:r>
-              <a:rPr lang="zh-TW" altLang="en-US" sz="5400" dirty="0" smtClean="0"/>
+            <a:endParaRPr lang="en-US" altLang="zh-TW" sz="5400" dirty="0"/>
+          </a:p>
+          <a:p>
+            <a:r>
+              <a:rPr lang="zh-TW" altLang="en-US" sz="5400" dirty="0"/>
               <a:t>流</a:t>
             </a:r>
-            <a:endParaRPr lang="en-US" altLang="zh-TW" sz="5400" dirty="0" smtClean="0"/>
-          </a:p>
-          <a:p>
-            <a:r>
-              <a:rPr lang="zh-TW" altLang="en-US" sz="5400" dirty="0" smtClean="0"/>
+            <a:endParaRPr lang="en-US" altLang="zh-TW" sz="5400" dirty="0"/>
+          </a:p>
+          <a:p>
+            <a:r>
+              <a:rPr lang="zh-TW" altLang="en-US" sz="5400" dirty="0"/>
               <a:t>程</a:t>
             </a:r>
-            <a:endParaRPr lang="en-US" altLang="zh-TW" sz="5400" dirty="0" smtClean="0"/>
-          </a:p>
-          <a:p>
-            <a:r>
-              <a:rPr lang="zh-TW" altLang="en-US" sz="5400" dirty="0" smtClean="0"/>
+            <a:endParaRPr lang="en-US" altLang="zh-TW" sz="5400" dirty="0"/>
+          </a:p>
+          <a:p>
+            <a:r>
+              <a:rPr lang="zh-TW" altLang="en-US" sz="5400" dirty="0"/>
               <a:t>分</a:t>
             </a:r>
-            <a:endParaRPr lang="en-US" altLang="zh-TW" sz="5400" dirty="0" smtClean="0"/>
-          </a:p>
-          <a:p>
-            <a:r>
-              <a:rPr lang="zh-TW" altLang="en-US" sz="5400" dirty="0" smtClean="0"/>
+            <a:endParaRPr lang="en-US" altLang="zh-TW" sz="5400" dirty="0"/>
+          </a:p>
+          <a:p>
+            <a:r>
+              <a:rPr lang="zh-TW" altLang="en-US" sz="5400" dirty="0"/>
               <a:t>析</a:t>
             </a:r>
-            <a:endParaRPr lang="zh-TW" altLang="en-US" sz="5400" dirty="0"/>
           </a:p>
         </p:txBody>
       </p:sp>
@@ -5612,78 +5556,108 @@
           <a:bodyPr/>
           <a:lstStyle/>
           <a:p>
-            <a:r>
-              <a:rPr lang="en-US" altLang="zh-TW" dirty="0" smtClean="0"/>
+            <a:pPr>
+              <a:lnSpc>
+                <a:spcPct val="150000"/>
+              </a:lnSpc>
+            </a:pPr>
+            <a:r>
+              <a:rPr lang="en-US" altLang="zh-TW" dirty="0"/>
               <a:t>-</a:t>
             </a:r>
             <a:r>
-              <a:rPr lang="zh-TW" altLang="en-US" dirty="0" smtClean="0"/>
+              <a:rPr lang="zh-TW" altLang="en-US" dirty="0"/>
               <a:t>一鍵建立房間</a:t>
             </a:r>
-            <a:endParaRPr lang="en-US" altLang="zh-TW" dirty="0" smtClean="0"/>
-          </a:p>
-          <a:p>
-            <a:r>
-              <a:rPr lang="en-US" altLang="zh-TW" dirty="0" smtClean="0"/>
+            <a:endParaRPr lang="en-US" altLang="zh-TW" dirty="0"/>
+          </a:p>
+          <a:p>
+            <a:pPr>
+              <a:lnSpc>
+                <a:spcPct val="150000"/>
+              </a:lnSpc>
+            </a:pPr>
+            <a:r>
+              <a:rPr lang="en-US" altLang="zh-TW" dirty="0"/>
               <a:t>-</a:t>
             </a:r>
             <a:r>
-              <a:rPr lang="zh-TW" altLang="en-US" dirty="0" smtClean="0"/>
+              <a:rPr lang="zh-TW" altLang="en-US" dirty="0"/>
               <a:t>圖形化的使用者介面</a:t>
             </a:r>
-            <a:endParaRPr lang="en-US" altLang="zh-TW" dirty="0" smtClean="0"/>
-          </a:p>
-          <a:p>
-            <a:r>
-              <a:rPr lang="en-US" altLang="zh-TW" dirty="0" smtClean="0"/>
+            <a:endParaRPr lang="en-US" altLang="zh-TW" dirty="0"/>
+          </a:p>
+          <a:p>
+            <a:pPr>
+              <a:lnSpc>
+                <a:spcPct val="150000"/>
+              </a:lnSpc>
+            </a:pPr>
+            <a:r>
+              <a:rPr lang="en-US" altLang="zh-TW" dirty="0"/>
               <a:t>-</a:t>
             </a:r>
             <a:r>
-              <a:rPr lang="zh-TW" altLang="en-US" dirty="0" smtClean="0"/>
+              <a:rPr lang="zh-TW" altLang="en-US" dirty="0"/>
               <a:t>個人資料使用</a:t>
             </a:r>
             <a:r>
-              <a:rPr lang="en-US" altLang="zh-TW" dirty="0" smtClean="0"/>
+              <a:rPr lang="en-US" altLang="zh-TW" dirty="0"/>
               <a:t>RSA</a:t>
             </a:r>
             <a:r>
-              <a:rPr lang="zh-TW" altLang="en-US" dirty="0" smtClean="0"/>
+              <a:rPr lang="zh-TW" altLang="en-US" dirty="0"/>
               <a:t>加密</a:t>
             </a:r>
-            <a:endParaRPr lang="en-US" altLang="zh-TW" dirty="0" smtClean="0"/>
-          </a:p>
-          <a:p>
-            <a:r>
-              <a:rPr lang="en-US" altLang="zh-TW" dirty="0" smtClean="0"/>
+            <a:endParaRPr lang="en-US" altLang="zh-TW" dirty="0"/>
+          </a:p>
+          <a:p>
+            <a:pPr>
+              <a:lnSpc>
+                <a:spcPct val="150000"/>
+              </a:lnSpc>
+            </a:pPr>
+            <a:r>
+              <a:rPr lang="en-US" altLang="zh-TW" dirty="0"/>
               <a:t>-</a:t>
             </a:r>
             <a:r>
-              <a:rPr lang="zh-TW" altLang="en-US" dirty="0" smtClean="0"/>
+              <a:rPr lang="zh-TW" altLang="en-US" dirty="0"/>
               <a:t>內建簡易的語意分析</a:t>
             </a:r>
-            <a:endParaRPr lang="en-US" altLang="zh-TW" dirty="0" smtClean="0"/>
-          </a:p>
-          <a:p>
-            <a:r>
-              <a:rPr lang="en-US" altLang="zh-TW" dirty="0" smtClean="0"/>
+            <a:endParaRPr lang="en-US" altLang="zh-TW" dirty="0"/>
+          </a:p>
+          <a:p>
+            <a:pPr>
+              <a:lnSpc>
+                <a:spcPct val="150000"/>
+              </a:lnSpc>
+            </a:pPr>
+            <a:r>
+              <a:rPr lang="en-US" altLang="zh-TW" dirty="0"/>
               <a:t>-</a:t>
             </a:r>
             <a:r>
-              <a:rPr lang="zh-TW" altLang="en-US" dirty="0" smtClean="0"/>
+              <a:rPr lang="zh-TW" altLang="en-US" dirty="0"/>
               <a:t>新增雜訊濾波器</a:t>
             </a:r>
-            <a:endParaRPr lang="en-US" altLang="zh-TW" dirty="0" smtClean="0"/>
-          </a:p>
-          <a:p>
-            <a:r>
-              <a:rPr lang="en-US" altLang="zh-TW" dirty="0" smtClean="0"/>
+            <a:endParaRPr lang="en-US" altLang="zh-TW" dirty="0"/>
+          </a:p>
+          <a:p>
+            <a:pPr>
+              <a:lnSpc>
+                <a:spcPct val="150000"/>
+              </a:lnSpc>
+            </a:pPr>
+            <a:r>
+              <a:rPr lang="en-US" altLang="zh-TW" dirty="0"/>
               <a:t>-</a:t>
             </a:r>
             <a:r>
-              <a:rPr lang="zh-TW" altLang="en-US" smtClean="0"/>
+              <a:rPr lang="zh-TW" altLang="en-US" dirty="0"/>
               <a:t>在網站上可以一鍵下載與安裝</a:t>
             </a:r>
-            <a:endParaRPr lang="en-US" altLang="zh-TW" dirty="0" smtClean="0"/>
+            <a:endParaRPr lang="en-US" altLang="zh-TW" dirty="0"/>
           </a:p>
           <a:p>
             <a:endParaRPr lang="zh-TW" altLang="en-US" dirty="0"/>
@@ -6246,10 +6220,9 @@
                         <a:defRPr/>
                       </a:pPr>
                       <a:r>
-                        <a:rPr lang="zh-TW" altLang="en-US" sz="1400" dirty="0" smtClean="0"/>
+                        <a:rPr lang="zh-TW" altLang="en-US" sz="1400" dirty="0"/>
                         <a:t>功能需求</a:t>
                       </a:r>
-                      <a:endParaRPr lang="zh-TW" altLang="en-US" sz="1400" dirty="0"/>
                     </a:p>
                   </a:txBody>
                   <a:tcPr/>
@@ -7161,14 +7134,14 @@
             <p:ph idx="1"/>
             <p:extLst>
               <p:ext uri="{D42A27DB-BD31-4B8C-83A1-F6EECF244321}">
-                <p14:modId xmlns:p14="http://schemas.microsoft.com/office/powerpoint/2010/main" val="3282475198"/>
+                <p14:modId xmlns:p14="http://schemas.microsoft.com/office/powerpoint/2010/main" val="2229969378"/>
               </p:ext>
             </p:extLst>
           </p:nvPr>
         </p:nvGraphicFramePr>
         <p:xfrm>
-          <a:off x="1061183" y="70338"/>
-          <a:ext cx="10058400" cy="6758799"/>
+          <a:off x="1066800" y="465303"/>
+          <a:ext cx="10058400" cy="5749606"/>
         </p:xfrm>
         <a:graphic>
           <a:graphicData uri="http://schemas.openxmlformats.org/drawingml/2006/table">
@@ -7177,21 +7150,21 @@
                 <a:tableStyleId>{5C22544A-7EE6-4342-B048-85BDC9FD1C3A}</a:tableStyleId>
               </a:tblPr>
               <a:tblGrid>
-                <a:gridCol w="3352800">
+                <a:gridCol w="1235825">
                   <a:extLst>
                     <a:ext uri="{9D8B030D-6E8A-4147-A177-3AD203B41FA5}">
                       <a16:colId xmlns:a16="http://schemas.microsoft.com/office/drawing/2014/main" val="3213969547"/>
                     </a:ext>
                   </a:extLst>
                 </a:gridCol>
-                <a:gridCol w="3352800">
+                <a:gridCol w="3979101">
                   <a:extLst>
                     <a:ext uri="{9D8B030D-6E8A-4147-A177-3AD203B41FA5}">
                       <a16:colId xmlns:a16="http://schemas.microsoft.com/office/drawing/2014/main" val="2083420608"/>
                     </a:ext>
                   </a:extLst>
                 </a:gridCol>
-                <a:gridCol w="3352800">
+                <a:gridCol w="4843474">
                   <a:extLst>
                     <a:ext uri="{9D8B030D-6E8A-4147-A177-3AD203B41FA5}">
                       <a16:colId xmlns:a16="http://schemas.microsoft.com/office/drawing/2014/main" val="1157289767"/>
@@ -7199,13 +7172,13 @@
                   </a:extLst>
                 </a:gridCol>
               </a:tblGrid>
-              <a:tr h="712177">
+              <a:tr h="307781">
                 <a:tc>
                   <a:txBody>
                     <a:bodyPr/>
                     <a:lstStyle/>
                     <a:p>
-                      <a:pPr marL="0" marR="0" indent="0" algn="l" defTabSz="914400" rtl="0" eaLnBrk="1" fontAlgn="auto" latinLnBrk="0" hangingPunct="1">
+                      <a:pPr marL="0" marR="0" indent="0" algn="ctr" defTabSz="914400" rtl="0" eaLnBrk="1" fontAlgn="auto" latinLnBrk="0" hangingPunct="1">
                         <a:lnSpc>
                           <a:spcPct val="100000"/>
                         </a:lnSpc>
@@ -7223,12 +7196,9 @@
                         <a:defRPr/>
                       </a:pPr>
                       <a:r>
-                        <a:rPr lang="zh-TW" altLang="en-US" sz="1400" dirty="0" smtClean="0"/>
+                        <a:rPr lang="zh-TW" altLang="en-US" sz="1400" dirty="0"/>
                         <a:t>使用者</a:t>
                       </a:r>
-                    </a:p>
-                    <a:p>
-                      <a:endParaRPr lang="zh-TW" altLang="en-US" dirty="0"/>
                     </a:p>
                   </a:txBody>
                   <a:tcPr/>
@@ -7238,7 +7208,7 @@
                     <a:bodyPr/>
                     <a:lstStyle/>
                     <a:p>
-                      <a:pPr marL="0" marR="0" lvl="0" indent="0" algn="l" defTabSz="914400" rtl="0" eaLnBrk="1" fontAlgn="auto" latinLnBrk="0" hangingPunct="1">
+                      <a:pPr marL="0" marR="0" lvl="0" indent="0" algn="ctr" defTabSz="914400" rtl="0" eaLnBrk="1" fontAlgn="auto" latinLnBrk="0" hangingPunct="1">
                         <a:lnSpc>
                           <a:spcPct val="100000"/>
                         </a:lnSpc>
@@ -7256,12 +7226,9 @@
                         <a:defRPr/>
                       </a:pPr>
                       <a:r>
-                        <a:rPr lang="zh-TW" altLang="en-US" sz="1400" dirty="0" smtClean="0"/>
+                        <a:rPr lang="zh-TW" altLang="en-US" sz="1400" dirty="0"/>
                         <a:t>非功能需求</a:t>
                       </a:r>
-                    </a:p>
-                    <a:p>
-                      <a:endParaRPr lang="zh-TW" altLang="en-US" dirty="0"/>
                     </a:p>
                   </a:txBody>
                   <a:tcPr/>
@@ -7271,7 +7238,7 @@
                     <a:bodyPr/>
                     <a:lstStyle/>
                     <a:p>
-                      <a:pPr marL="0" marR="0" indent="0" algn="l" defTabSz="914400" rtl="0" eaLnBrk="1" fontAlgn="auto" latinLnBrk="0" hangingPunct="1">
+                      <a:pPr marL="0" marR="0" indent="0" algn="ctr" defTabSz="914400" rtl="0" eaLnBrk="1" fontAlgn="auto" latinLnBrk="0" hangingPunct="1">
                         <a:lnSpc>
                           <a:spcPct val="100000"/>
                         </a:lnSpc>
@@ -7289,12 +7256,9 @@
                         <a:defRPr/>
                       </a:pPr>
                       <a:r>
-                        <a:rPr lang="zh-TW" altLang="en-US" sz="1400" dirty="0" smtClean="0"/>
+                        <a:rPr lang="zh-TW" altLang="en-US" sz="1400" dirty="0"/>
                         <a:t>希望達到的目的</a:t>
                       </a:r>
-                    </a:p>
-                    <a:p>
-                      <a:endParaRPr lang="zh-TW" altLang="en-US" dirty="0"/>
                     </a:p>
                   </a:txBody>
                   <a:tcPr/>
@@ -7313,7 +7277,7 @@
                     <a:p>
                       <a:pPr marL="0" marR="0" indent="0" algn="l" defTabSz="914400" rtl="0" eaLnBrk="1" fontAlgn="auto" latinLnBrk="0" hangingPunct="1">
                         <a:lnSpc>
-                          <a:spcPct val="100000"/>
+                          <a:spcPct val="150000"/>
                         </a:lnSpc>
                         <a:spcBef>
                           <a:spcPts val="0"/>
@@ -7329,20 +7293,17 @@
                         <a:defRPr/>
                       </a:pPr>
                       <a:r>
-                        <a:rPr lang="zh-TW" altLang="en-US" sz="1400" dirty="0" smtClean="0"/>
+                        <a:rPr lang="zh-TW" altLang="en-US" sz="1600" dirty="0"/>
                         <a:t>會議主持</a:t>
                       </a:r>
                       <a:r>
-                        <a:rPr lang="en-US" altLang="zh-TW" sz="1400" dirty="0" smtClean="0"/>
+                        <a:rPr lang="en-US" altLang="zh-TW" sz="1600" dirty="0"/>
                         <a:t>/</a:t>
                       </a:r>
                       <a:r>
-                        <a:rPr lang="zh-TW" altLang="en-US" sz="1400" dirty="0" smtClean="0"/>
+                        <a:rPr lang="zh-TW" altLang="en-US" sz="1600" dirty="0"/>
                         <a:t>公司主管</a:t>
                       </a:r>
-                    </a:p>
-                    <a:p>
-                      <a:endParaRPr lang="zh-TW" altLang="en-US" dirty="0"/>
                     </a:p>
                   </a:txBody>
                   <a:tcPr/>
@@ -7352,18 +7313,28 @@
                     <a:bodyPr/>
                     <a:lstStyle/>
                     <a:p>
+                      <a:pPr>
+                        <a:lnSpc>
+                          <a:spcPct val="150000"/>
+                        </a:lnSpc>
+                      </a:pPr>
                       <a:r>
-                        <a:rPr lang="zh-TW" altLang="en-US" sz="1400" dirty="0" smtClean="0"/>
+                        <a:rPr lang="zh-TW" altLang="en-US" sz="1600" dirty="0"/>
                         <a:t>管理介面直覺，可讓人輕易上手</a:t>
                       </a:r>
-                      <a:endParaRPr lang="en-US" altLang="zh-TW" sz="1400" dirty="0" smtClean="0"/>
+                      <a:endParaRPr lang="en-US" altLang="zh-TW" sz="1600" dirty="0"/>
                     </a:p>
                     <a:p>
+                      <a:pPr>
+                        <a:lnSpc>
+                          <a:spcPct val="150000"/>
+                        </a:lnSpc>
+                      </a:pPr>
                       <a:r>
-                        <a:rPr lang="zh-TW" altLang="en-US" sz="1400" dirty="0" smtClean="0"/>
+                        <a:rPr lang="zh-TW" altLang="en-US" sz="1600" dirty="0"/>
                         <a:t>重要文件資安完善</a:t>
                       </a:r>
-                      <a:endParaRPr lang="en-US" altLang="zh-TW" sz="1400" dirty="0" smtClean="0"/>
+                      <a:endParaRPr lang="en-US" altLang="zh-TW" sz="1600" dirty="0"/>
                     </a:p>
                   </a:txBody>
                   <a:tcPr/>
@@ -7391,10 +7362,10 @@
                         <a:defRPr/>
                       </a:pPr>
                       <a:r>
-                        <a:rPr lang="zh-TW" altLang="en-US" sz="1400" dirty="0" smtClean="0"/>
+                        <a:rPr lang="zh-TW" altLang="en-US" sz="1600" dirty="0"/>
                         <a:t>能夠管控房間權限</a:t>
                       </a:r>
-                      <a:endParaRPr lang="en-US" altLang="zh-TW" sz="1400" dirty="0" smtClean="0"/>
+                      <a:endParaRPr lang="en-US" altLang="zh-TW" sz="1600" dirty="0"/>
                     </a:p>
                     <a:p>
                       <a:pPr marL="342900" marR="0" lvl="0" indent="-342900" algn="l" defTabSz="914400" rtl="0" eaLnBrk="1" fontAlgn="auto" latinLnBrk="0" hangingPunct="1">
@@ -7415,10 +7386,10 @@
                         <a:defRPr/>
                       </a:pPr>
                       <a:r>
-                        <a:rPr lang="zh-TW" altLang="en-US" sz="1400" dirty="0" smtClean="0"/>
+                        <a:rPr lang="zh-TW" altLang="en-US" sz="1600" dirty="0"/>
                         <a:t>管理麥克風、視訊</a:t>
                       </a:r>
-                      <a:endParaRPr lang="en-US" altLang="zh-TW" sz="1400" dirty="0" smtClean="0"/>
+                      <a:endParaRPr lang="en-US" altLang="zh-TW" sz="1600" dirty="0"/>
                     </a:p>
                     <a:p>
                       <a:pPr marL="342900" marR="0" lvl="0" indent="-342900" algn="l" defTabSz="914400" rtl="0" eaLnBrk="1" fontAlgn="auto" latinLnBrk="0" hangingPunct="1">
@@ -7439,10 +7410,10 @@
                         <a:defRPr/>
                       </a:pPr>
                       <a:r>
-                        <a:rPr lang="zh-TW" altLang="en-US" sz="1400" dirty="0" smtClean="0"/>
+                        <a:rPr lang="zh-TW" altLang="en-US" sz="1600" dirty="0"/>
                         <a:t>查看歷史文檔</a:t>
                       </a:r>
-                      <a:endParaRPr lang="en-US" altLang="zh-TW" sz="1400" dirty="0" smtClean="0"/>
+                      <a:endParaRPr lang="en-US" altLang="zh-TW" sz="1600" dirty="0"/>
                     </a:p>
                   </a:txBody>
                   <a:tcPr/>
@@ -7461,7 +7432,7 @@
                     <a:p>
                       <a:pPr marL="0" marR="0" indent="0" algn="l" defTabSz="914400" rtl="0" eaLnBrk="1" fontAlgn="auto" latinLnBrk="0" hangingPunct="1">
                         <a:lnSpc>
-                          <a:spcPct val="100000"/>
+                          <a:spcPct val="150000"/>
                         </a:lnSpc>
                         <a:spcBef>
                           <a:spcPts val="0"/>
@@ -7477,20 +7448,17 @@
                         <a:defRPr/>
                       </a:pPr>
                       <a:r>
-                        <a:rPr lang="zh-TW" altLang="en-US" sz="1400" dirty="0" smtClean="0"/>
+                        <a:rPr lang="zh-TW" altLang="en-US" sz="1600" dirty="0"/>
                         <a:t>會議記錄</a:t>
                       </a:r>
                       <a:r>
-                        <a:rPr lang="en-US" altLang="zh-TW" sz="1400" dirty="0" smtClean="0"/>
+                        <a:rPr lang="en-US" altLang="zh-TW" sz="1600" dirty="0"/>
                         <a:t>/</a:t>
                       </a:r>
                       <a:r>
-                        <a:rPr lang="zh-TW" altLang="en-US" sz="1400" dirty="0" smtClean="0"/>
+                        <a:rPr lang="zh-TW" altLang="en-US" sz="1600" dirty="0"/>
                         <a:t>秘書</a:t>
                       </a:r>
-                    </a:p>
-                    <a:p>
-                      <a:endParaRPr lang="zh-TW" altLang="en-US" dirty="0"/>
                     </a:p>
                   </a:txBody>
                   <a:tcPr/>
@@ -7502,7 +7470,7 @@
                     <a:p>
                       <a:pPr marL="0" marR="0" indent="0" algn="l" defTabSz="914400" rtl="0" eaLnBrk="1" fontAlgn="auto" latinLnBrk="0" hangingPunct="1">
                         <a:lnSpc>
-                          <a:spcPct val="100000"/>
+                          <a:spcPct val="150000"/>
                         </a:lnSpc>
                         <a:spcBef>
                           <a:spcPts val="0"/>
@@ -7518,12 +7486,9 @@
                         <a:defRPr/>
                       </a:pPr>
                       <a:r>
-                        <a:rPr lang="zh-TW" altLang="en-US" sz="1400" dirty="0" smtClean="0"/>
+                        <a:rPr lang="zh-TW" altLang="en-US" sz="1600" dirty="0"/>
                         <a:t>三秒內要能讀取出所有歷史文檔，並且所有檔案格式皆可讀取</a:t>
                       </a:r>
-                    </a:p>
-                    <a:p>
-                      <a:endParaRPr lang="zh-TW" altLang="en-US" dirty="0"/>
                     </a:p>
                   </a:txBody>
                   <a:tcPr/>
@@ -7551,10 +7516,10 @@
                         <a:defRPr/>
                       </a:pPr>
                       <a:r>
-                        <a:rPr lang="zh-TW" altLang="en-US" sz="1400" dirty="0" smtClean="0"/>
+                        <a:rPr lang="zh-TW" altLang="en-US" sz="1600" dirty="0"/>
                         <a:t>能夠錄音、錄影、線上編輯文件</a:t>
                       </a:r>
-                      <a:endParaRPr lang="en-US" altLang="zh-TW" sz="1400" dirty="0" smtClean="0"/>
+                      <a:endParaRPr lang="en-US" altLang="zh-TW" sz="1600" dirty="0"/>
                     </a:p>
                     <a:p>
                       <a:pPr marL="342900" marR="0" lvl="0" indent="-342900" algn="l" defTabSz="914400" rtl="0" eaLnBrk="1" fontAlgn="auto" latinLnBrk="0" hangingPunct="1">
@@ -7575,13 +7540,10 @@
                         <a:defRPr/>
                       </a:pPr>
                       <a:r>
-                        <a:rPr lang="zh-TW" altLang="en-US" sz="1400" dirty="0" smtClean="0"/>
+                        <a:rPr lang="zh-TW" altLang="en-US" sz="1600" dirty="0"/>
                         <a:t>即時編輯、記錄會議內容</a:t>
                       </a:r>
-                      <a:endParaRPr lang="en-US" altLang="zh-TW" sz="1400" dirty="0" smtClean="0"/>
-                    </a:p>
-                    <a:p>
-                      <a:endParaRPr lang="zh-TW" altLang="en-US" dirty="0"/>
+                      <a:endParaRPr lang="en-US" altLang="zh-TW" sz="1600" dirty="0"/>
                     </a:p>
                   </a:txBody>
                   <a:tcPr/>
@@ -7600,7 +7562,7 @@
                     <a:p>
                       <a:pPr marL="0" marR="0" lvl="0" indent="0" algn="l" defTabSz="914400" rtl="0" eaLnBrk="1" fontAlgn="auto" latinLnBrk="0" hangingPunct="1">
                         <a:lnSpc>
-                          <a:spcPct val="100000"/>
+                          <a:spcPct val="150000"/>
                         </a:lnSpc>
                         <a:spcBef>
                           <a:spcPts val="0"/>
@@ -7616,12 +7578,17 @@
                         <a:defRPr/>
                       </a:pPr>
                       <a:r>
-                        <a:rPr lang="zh-TW" altLang="en-US" sz="1400" dirty="0" smtClean="0"/>
+                        <a:rPr lang="zh-TW" altLang="en-US" sz="1600" dirty="0"/>
                         <a:t>一般使用者</a:t>
                       </a:r>
                     </a:p>
                     <a:p>
-                      <a:endParaRPr lang="zh-TW" altLang="en-US" dirty="0"/>
+                      <a:pPr>
+                        <a:lnSpc>
+                          <a:spcPct val="150000"/>
+                        </a:lnSpc>
+                      </a:pPr>
+                      <a:endParaRPr lang="zh-TW" altLang="en-US" sz="2000" dirty="0"/>
                     </a:p>
                   </a:txBody>
                   <a:tcPr/>
@@ -7631,11 +7598,15 @@
                     <a:bodyPr/>
                     <a:lstStyle/>
                     <a:p>
+                      <a:pPr>
+                        <a:lnSpc>
+                          <a:spcPct val="150000"/>
+                        </a:lnSpc>
+                      </a:pPr>
                       <a:r>
-                        <a:rPr lang="zh-TW" altLang="en-US" sz="1400" dirty="0" smtClean="0"/>
+                        <a:rPr lang="zh-TW" altLang="en-US" sz="1600" dirty="0"/>
                         <a:t>軟體安裝簡便，不要吃太多電腦系統效能</a:t>
                       </a:r>
-                      <a:endParaRPr lang="zh-TW" altLang="en-US" sz="1400" dirty="0"/>
                     </a:p>
                   </a:txBody>
                   <a:tcPr/>
@@ -7663,10 +7634,10 @@
                         <a:defRPr/>
                       </a:pPr>
                       <a:r>
-                        <a:rPr lang="zh-TW" altLang="en-US" sz="1400" dirty="0" smtClean="0"/>
+                        <a:rPr lang="zh-TW" altLang="en-US" sz="1600" dirty="0"/>
                         <a:t>能夠多人編輯及管理，共同完成專案</a:t>
                       </a:r>
-                      <a:endParaRPr lang="en-US" altLang="zh-TW" sz="1400" dirty="0" smtClean="0"/>
+                      <a:endParaRPr lang="en-US" altLang="zh-TW" sz="1600" dirty="0"/>
                     </a:p>
                     <a:p>
                       <a:pPr marL="285750" marR="0" lvl="0" indent="-285750" algn="l" defTabSz="914400" rtl="0" eaLnBrk="1" fontAlgn="auto" latinLnBrk="0" hangingPunct="1">
@@ -7687,12 +7658,9 @@
                         <a:defRPr/>
                       </a:pPr>
                       <a:r>
-                        <a:rPr lang="zh-TW" altLang="en-US" sz="1400" dirty="0" smtClean="0"/>
+                        <a:rPr lang="zh-TW" altLang="en-US" sz="1600" dirty="0"/>
                         <a:t>即時傳輸、討論及基本互動</a:t>
                       </a:r>
-                    </a:p>
-                    <a:p>
-                      <a:endParaRPr lang="zh-TW" altLang="en-US" dirty="0"/>
                     </a:p>
                   </a:txBody>
                   <a:tcPr/>
@@ -7711,7 +7679,7 @@
                     <a:p>
                       <a:pPr marL="0" marR="0" lvl="0" indent="0" algn="l" defTabSz="914400" rtl="0" eaLnBrk="1" fontAlgn="auto" latinLnBrk="0" hangingPunct="1">
                         <a:lnSpc>
-                          <a:spcPct val="100000"/>
+                          <a:spcPct val="150000"/>
                         </a:lnSpc>
                         <a:spcBef>
                           <a:spcPts val="0"/>
@@ -7727,20 +7695,17 @@
                         <a:defRPr/>
                       </a:pPr>
                       <a:r>
-                        <a:rPr lang="zh-TW" altLang="en-US" sz="1400" dirty="0" smtClean="0"/>
+                        <a:rPr lang="zh-TW" altLang="en-US" sz="1600" dirty="0"/>
                         <a:t>教師</a:t>
                       </a:r>
                       <a:r>
-                        <a:rPr lang="en-US" altLang="zh-TW" sz="1400" dirty="0" smtClean="0"/>
+                        <a:rPr lang="en-US" altLang="zh-TW" sz="1600" dirty="0"/>
                         <a:t>/</a:t>
                       </a:r>
                       <a:r>
-                        <a:rPr lang="zh-TW" altLang="en-US" sz="1400" dirty="0" smtClean="0"/>
+                        <a:rPr lang="zh-TW" altLang="en-US" sz="1600" dirty="0"/>
                         <a:t>學生</a:t>
                       </a:r>
-                    </a:p>
-                    <a:p>
-                      <a:endParaRPr lang="zh-TW" altLang="en-US" dirty="0"/>
                     </a:p>
                   </a:txBody>
                   <a:tcPr/>
@@ -7750,15 +7715,15 @@
                     <a:bodyPr/>
                     <a:lstStyle/>
                     <a:p>
+                      <a:pPr>
+                        <a:lnSpc>
+                          <a:spcPct val="150000"/>
+                        </a:lnSpc>
+                      </a:pPr>
                       <a:r>
-                        <a:rPr lang="zh-TW" altLang="en-US" sz="1400" dirty="0" smtClean="0"/>
-                        <a:t>字彙及</a:t>
+                        <a:rPr lang="zh-TW" altLang="en-US" sz="1600" dirty="0"/>
+                        <a:t>拼字及算式除錯</a:t>
                       </a:r>
-                      <a:r>
-                        <a:rPr lang="zh-TW" altLang="en-US" sz="1400" dirty="0" smtClean="0"/>
-                        <a:t>算式除錯</a:t>
-                      </a:r>
-                      <a:endParaRPr lang="zh-TW" altLang="en-US" sz="1400" dirty="0"/>
                     </a:p>
                   </a:txBody>
                   <a:tcPr/>
@@ -7786,10 +7751,10 @@
                         <a:defRPr/>
                       </a:pPr>
                       <a:r>
-                        <a:rPr lang="zh-TW" altLang="en-US" sz="1400" dirty="0" smtClean="0"/>
+                        <a:rPr lang="zh-TW" altLang="en-US" sz="1600" dirty="0"/>
                         <a:t>重要日程的公布欄，如考試日期、作業時程、開課日期等</a:t>
                       </a:r>
-                      <a:endParaRPr lang="en-US" altLang="zh-TW" sz="1400" dirty="0" smtClean="0"/>
+                      <a:endParaRPr lang="en-US" altLang="zh-TW" sz="1600" dirty="0"/>
                     </a:p>
                     <a:p>
                       <a:pPr marL="342900" marR="0" lvl="0" indent="-342900" algn="l" defTabSz="914400" rtl="0" eaLnBrk="1" fontAlgn="auto" latinLnBrk="0" hangingPunct="1">
@@ -7810,10 +7775,10 @@
                         <a:defRPr/>
                       </a:pPr>
                       <a:r>
-                        <a:rPr lang="zh-TW" altLang="en-US" sz="1400" dirty="0" smtClean="0"/>
+                        <a:rPr lang="zh-TW" altLang="en-US" sz="1600" dirty="0"/>
                         <a:t>即時教學白板</a:t>
                       </a:r>
-                      <a:endParaRPr lang="en-US" altLang="zh-TW" sz="1400" dirty="0" smtClean="0"/>
+                      <a:endParaRPr lang="en-US" altLang="zh-TW" sz="1600" dirty="0"/>
                     </a:p>
                     <a:p>
                       <a:pPr marL="342900" marR="0" lvl="0" indent="-342900" algn="l" defTabSz="914400" rtl="0" eaLnBrk="1" fontAlgn="auto" latinLnBrk="0" hangingPunct="1">
@@ -7834,10 +7799,10 @@
                         <a:defRPr/>
                       </a:pPr>
                       <a:r>
-                        <a:rPr lang="zh-TW" altLang="en-US" sz="1400" dirty="0" smtClean="0"/>
+                        <a:rPr lang="zh-TW" altLang="en-US" sz="1600" dirty="0"/>
                         <a:t>導師可以接收到學生詢問的問題</a:t>
                       </a:r>
-                      <a:endParaRPr lang="en-US" altLang="zh-TW" sz="1400" dirty="0" smtClean="0"/>
+                      <a:endParaRPr lang="en-US" altLang="zh-TW" sz="1600" dirty="0"/>
                     </a:p>
                     <a:p>
                       <a:pPr marL="342900" marR="0" lvl="0" indent="-342900" algn="l" defTabSz="914400" rtl="0" eaLnBrk="1" fontAlgn="auto" latinLnBrk="0" hangingPunct="1">
@@ -7858,10 +7823,9 @@
                         <a:defRPr/>
                       </a:pPr>
                       <a:r>
-                        <a:rPr lang="zh-TW" altLang="en-US" sz="1400" dirty="0" smtClean="0"/>
+                        <a:rPr lang="zh-TW" altLang="en-US" sz="1600" dirty="0"/>
                         <a:t>學生能下載教師的教學檔案，也能上傳課程作業</a:t>
                       </a:r>
-                      <a:endParaRPr lang="zh-TW" altLang="en-US" sz="1400" dirty="0"/>
                     </a:p>
                   </a:txBody>
                   <a:tcPr/>
@@ -7896,10 +7860,9 @@
                         <a:defRPr/>
                       </a:pPr>
                       <a:r>
-                        <a:rPr lang="zh-TW" altLang="en-US" sz="1400" dirty="0" smtClean="0"/>
+                        <a:rPr lang="zh-TW" altLang="en-US" sz="1600" dirty="0"/>
                         <a:t>直播主</a:t>
                       </a:r>
-                      <a:endParaRPr lang="zh-TW" altLang="en-US" sz="1400" dirty="0"/>
                     </a:p>
                   </a:txBody>
                   <a:tcPr/>
@@ -7911,7 +7874,7 @@
                     <a:p>
                       <a:pPr marL="0" marR="0" indent="0" algn="l" defTabSz="914400" rtl="0" eaLnBrk="1" fontAlgn="auto" latinLnBrk="0" hangingPunct="1">
                         <a:lnSpc>
-                          <a:spcPct val="100000"/>
+                          <a:spcPct val="150000"/>
                         </a:lnSpc>
                         <a:spcBef>
                           <a:spcPts val="0"/>
@@ -7927,13 +7890,10 @@
                         <a:defRPr/>
                       </a:pPr>
                       <a:r>
-                        <a:rPr lang="zh-TW" altLang="en-US" sz="1400" dirty="0" smtClean="0"/>
+                        <a:rPr lang="zh-TW" altLang="en-US" sz="1600" dirty="0"/>
                         <a:t>減少麥克風雜訊，視訊不要有延遲</a:t>
                       </a:r>
-                      <a:endParaRPr lang="en-US" altLang="zh-TW" sz="1400" dirty="0" smtClean="0"/>
-                    </a:p>
-                    <a:p>
-                      <a:endParaRPr lang="zh-TW" altLang="en-US" dirty="0"/>
+                      <a:endParaRPr lang="en-US" altLang="zh-TW" sz="1600" dirty="0"/>
                     </a:p>
                   </a:txBody>
                   <a:tcPr/>
@@ -7961,10 +7921,10 @@
                         <a:defRPr/>
                       </a:pPr>
                       <a:r>
-                        <a:rPr lang="zh-TW" altLang="en-US" sz="1400" dirty="0" smtClean="0"/>
+                        <a:rPr lang="zh-TW" altLang="en-US" sz="1600" dirty="0"/>
                         <a:t>能和粉絲互動</a:t>
                       </a:r>
-                      <a:endParaRPr lang="en-US" altLang="zh-TW" sz="1400" dirty="0" smtClean="0"/>
+                      <a:endParaRPr lang="en-US" altLang="zh-TW" sz="1600" dirty="0"/>
                     </a:p>
                     <a:p>
                       <a:pPr marL="285750" marR="0" lvl="0" indent="-285750" algn="l" defTabSz="914400" rtl="0" eaLnBrk="1" fontAlgn="auto" latinLnBrk="0" hangingPunct="1">
@@ -7985,13 +7945,10 @@
                         <a:defRPr/>
                       </a:pPr>
                       <a:r>
-                        <a:rPr lang="zh-TW" altLang="en-US" sz="1400" dirty="0" smtClean="0"/>
+                        <a:rPr lang="zh-TW" altLang="en-US" sz="1600" dirty="0"/>
                         <a:t>預告自己的直播日程</a:t>
                       </a:r>
-                      <a:endParaRPr lang="en-US" altLang="zh-TW" sz="1400" dirty="0" smtClean="0"/>
-                    </a:p>
-                    <a:p>
-                      <a:endParaRPr lang="zh-TW" altLang="en-US" dirty="0"/>
+                      <a:endParaRPr lang="en-US" altLang="zh-TW" sz="1600" dirty="0"/>
                     </a:p>
                   </a:txBody>
                   <a:tcPr/>
@@ -8059,7 +8016,7 @@
           <a:lstStyle/>
           <a:p>
             <a:r>
-              <a:rPr lang="en-US" altLang="zh-TW" dirty="0" smtClean="0"/>
+              <a:rPr lang="en-US" altLang="zh-TW" dirty="0"/>
               <a:t>DFD</a:t>
             </a:r>
             <a:endParaRPr lang="zh-TW" altLang="en-US" dirty="0"/>
@@ -8190,10 +8147,9 @@
           <a:lstStyle/>
           <a:p>
             <a:r>
-              <a:rPr lang="zh-TW" altLang="en-US" dirty="0" smtClean="0"/>
+              <a:rPr lang="zh-TW" altLang="en-US" dirty="0"/>
               <a:t>房客個資</a:t>
             </a:r>
-            <a:endParaRPr lang="zh-TW" altLang="en-US" dirty="0"/>
           </a:p>
         </p:txBody>
       </p:sp>
@@ -8253,10 +8209,9 @@
           <a:lstStyle/>
           <a:p>
             <a:r>
-              <a:rPr lang="zh-TW" altLang="en-US" dirty="0" smtClean="0"/>
+              <a:rPr lang="zh-TW" altLang="en-US" dirty="0"/>
               <a:t>邀請房客進入房間</a:t>
             </a:r>
-            <a:endParaRPr lang="zh-TW" altLang="en-US" dirty="0"/>
           </a:p>
         </p:txBody>
       </p:sp>
@@ -8324,10 +8279,9 @@
           <a:lstStyle/>
           <a:p>
             <a:r>
-              <a:rPr lang="zh-TW" altLang="en-US" dirty="0" smtClean="0"/>
+              <a:rPr lang="zh-TW" altLang="en-US" dirty="0"/>
               <a:t>線上開會</a:t>
             </a:r>
-            <a:endParaRPr lang="zh-TW" altLang="en-US" dirty="0"/>
           </a:p>
         </p:txBody>
       </p:sp>
@@ -8414,10 +8368,9 @@
           <a:lstStyle/>
           <a:p>
             <a:r>
-              <a:rPr lang="zh-TW" altLang="en-US" dirty="0" smtClean="0"/>
+              <a:rPr lang="zh-TW" altLang="en-US" dirty="0"/>
               <a:t>會議資訊</a:t>
             </a:r>
-            <a:endParaRPr lang="zh-TW" altLang="en-US" dirty="0"/>
           </a:p>
         </p:txBody>
       </p:sp>
@@ -8732,10 +8685,9 @@
           <a:lstStyle/>
           <a:p>
             <a:r>
-              <a:rPr lang="zh-TW" altLang="en-US" dirty="0" smtClean="0"/>
+              <a:rPr lang="zh-TW" altLang="en-US" dirty="0"/>
               <a:t>彙整會議資料</a:t>
             </a:r>
-            <a:endParaRPr lang="zh-TW" altLang="en-US" dirty="0"/>
           </a:p>
         </p:txBody>
       </p:sp>
@@ -8763,13 +8715,8 @@
           <a:p>
             <a:r>
               <a:rPr lang="zh-TW" altLang="en-US" dirty="0"/>
-              <a:t>儲存</a:t>
-            </a:r>
-            <a:r>
-              <a:rPr lang="zh-TW" altLang="en-US" dirty="0" smtClean="0"/>
-              <a:t>會議資料</a:t>
-            </a:r>
-            <a:endParaRPr lang="zh-TW" altLang="en-US" dirty="0"/>
+              <a:t>儲存會議資料</a:t>
+            </a:r>
           </a:p>
         </p:txBody>
       </p:sp>
@@ -8797,13 +8744,8 @@
           <a:p>
             <a:r>
               <a:rPr lang="zh-TW" altLang="en-US" dirty="0"/>
-              <a:t>匯出</a:t>
-            </a:r>
-            <a:r>
-              <a:rPr lang="zh-TW" altLang="en-US" dirty="0" smtClean="0"/>
-              <a:t>會議資料</a:t>
-            </a:r>
-            <a:endParaRPr lang="zh-TW" altLang="en-US" dirty="0"/>
+              <a:t>匯出會議資料</a:t>
+            </a:r>
           </a:p>
         </p:txBody>
       </p:sp>
@@ -8859,8 +8801,13 @@
           </a:bodyPr>
           <a:lstStyle/>
           <a:p>
-            <a:r>
-              <a:rPr lang="en-US" altLang="zh-TW" dirty="0" smtClean="0"/>
+            <a:pPr>
+              <a:lnSpc>
+                <a:spcPct val="150000"/>
+              </a:lnSpc>
+            </a:pPr>
+            <a:r>
+              <a:rPr lang="en-US" altLang="zh-TW" dirty="0"/>
               <a:t>ERD</a:t>
             </a:r>
             <a:endParaRPr lang="zh-TW" altLang="en-US" dirty="0"/>
@@ -8903,7 +8850,11 @@
           <a:bodyPr rtlCol="0" anchor="ctr"/>
           <a:lstStyle/>
           <a:p>
-            <a:pPr algn="ctr"/>
+            <a:pPr algn="ctr">
+              <a:lnSpc>
+                <a:spcPct val="150000"/>
+              </a:lnSpc>
+            </a:pPr>
             <a:endParaRPr lang="zh-TW" altLang="en-US" dirty="0"/>
           </a:p>
         </p:txBody>
@@ -8944,7 +8895,11 @@
           <a:bodyPr rtlCol="0" anchor="ctr"/>
           <a:lstStyle/>
           <a:p>
-            <a:pPr algn="ctr"/>
+            <a:pPr algn="ctr">
+              <a:lnSpc>
+                <a:spcPct val="150000"/>
+              </a:lnSpc>
+            </a:pPr>
             <a:endParaRPr lang="zh-TW" altLang="en-US"/>
           </a:p>
         </p:txBody>
@@ -8985,7 +8940,11 @@
           <a:bodyPr rtlCol="0" anchor="ctr"/>
           <a:lstStyle/>
           <a:p>
-            <a:pPr algn="ctr"/>
+            <a:pPr algn="ctr">
+              <a:lnSpc>
+                <a:spcPct val="150000"/>
+              </a:lnSpc>
+            </a:pPr>
             <a:endParaRPr lang="zh-TW" altLang="en-US"/>
           </a:p>
         </p:txBody>
@@ -8999,7 +8958,7 @@
         <p:spPr>
           <a:xfrm>
             <a:off x="746682" y="1899139"/>
-            <a:ext cx="1107996" cy="1477328"/>
+            <a:ext cx="1107996" cy="2119876"/>
           </a:xfrm>
           <a:prstGeom prst="rect">
             <a:avLst/>
@@ -9012,41 +8971,62 @@
           </a:bodyPr>
           <a:lstStyle/>
           <a:p>
-            <a:r>
-              <a:rPr lang="zh-TW" altLang="en-US" dirty="0" smtClean="0"/>
+            <a:pPr>
+              <a:lnSpc>
+                <a:spcPct val="150000"/>
+              </a:lnSpc>
+            </a:pPr>
+            <a:r>
+              <a:rPr lang="zh-TW" altLang="en-US" dirty="0"/>
               <a:t>房客</a:t>
             </a:r>
             <a:r>
-              <a:rPr lang="en-US" altLang="zh-TW" dirty="0" smtClean="0"/>
+              <a:rPr lang="en-US" altLang="zh-TW" dirty="0"/>
               <a:t>:</a:t>
             </a:r>
           </a:p>
           <a:p>
-            <a:r>
-              <a:rPr lang="zh-TW" altLang="en-US" dirty="0" smtClean="0"/>
+            <a:pPr>
+              <a:lnSpc>
+                <a:spcPct val="150000"/>
+              </a:lnSpc>
+            </a:pPr>
+            <a:r>
+              <a:rPr lang="zh-TW" altLang="en-US" dirty="0"/>
               <a:t>帳密</a:t>
             </a:r>
-            <a:endParaRPr lang="en-US" altLang="zh-TW" dirty="0" smtClean="0"/>
-          </a:p>
-          <a:p>
-            <a:r>
-              <a:rPr lang="zh-TW" altLang="en-US" dirty="0" smtClean="0"/>
+            <a:endParaRPr lang="en-US" altLang="zh-TW" dirty="0"/>
+          </a:p>
+          <a:p>
+            <a:pPr>
+              <a:lnSpc>
+                <a:spcPct val="150000"/>
+              </a:lnSpc>
+            </a:pPr>
+            <a:r>
+              <a:rPr lang="zh-TW" altLang="en-US" dirty="0"/>
               <a:t>暱稱</a:t>
             </a:r>
-            <a:endParaRPr lang="en-US" altLang="zh-TW" dirty="0" smtClean="0"/>
-          </a:p>
-          <a:p>
-            <a:r>
-              <a:rPr lang="zh-TW" altLang="en-US" dirty="0" smtClean="0"/>
-              <a:t>討論內</a:t>
-            </a:r>
+            <a:endParaRPr lang="en-US" altLang="zh-TW" dirty="0"/>
+          </a:p>
+          <a:p>
+            <a:pPr>
+              <a:lnSpc>
+                <a:spcPct val="150000"/>
+              </a:lnSpc>
+            </a:pPr>
             <a:r>
               <a:rPr lang="zh-TW" altLang="en-US" dirty="0"/>
-              <a:t>容</a:t>
-            </a:r>
-            <a:endParaRPr lang="en-US" altLang="zh-TW" dirty="0" smtClean="0"/>
-          </a:p>
-          <a:p>
+              <a:t>討論內容</a:t>
+            </a:r>
+            <a:endParaRPr lang="en-US" altLang="zh-TW" dirty="0"/>
+          </a:p>
+          <a:p>
+            <a:pPr>
+              <a:lnSpc>
+                <a:spcPct val="150000"/>
+              </a:lnSpc>
+            </a:pPr>
             <a:endParaRPr lang="zh-TW" altLang="en-US" dirty="0"/>
           </a:p>
         </p:txBody>
@@ -9060,7 +9040,7 @@
         <p:spPr>
           <a:xfrm>
             <a:off x="4450016" y="1899139"/>
-            <a:ext cx="2031325" cy="1477328"/>
+            <a:ext cx="2031325" cy="2119876"/>
           </a:xfrm>
           <a:prstGeom prst="rect">
             <a:avLst/>
@@ -9073,53 +9053,62 @@
           </a:bodyPr>
           <a:lstStyle/>
           <a:p>
-            <a:r>
-              <a:rPr lang="zh-TW" altLang="en-US" dirty="0" smtClean="0"/>
-              <a:t>管理</a:t>
-            </a:r>
+            <a:pPr>
+              <a:lnSpc>
+                <a:spcPct val="150000"/>
+              </a:lnSpc>
+            </a:pPr>
             <a:r>
               <a:rPr lang="zh-TW" altLang="en-US" dirty="0"/>
-              <a:t>員</a:t>
-            </a:r>
-            <a:r>
-              <a:rPr lang="en-US" altLang="zh-TW" dirty="0" smtClean="0"/>
+              <a:t>管理員</a:t>
+            </a:r>
+            <a:r>
+              <a:rPr lang="en-US" altLang="zh-TW" dirty="0"/>
               <a:t>:</a:t>
             </a:r>
           </a:p>
           <a:p>
-            <a:r>
-              <a:rPr lang="zh-TW" altLang="en-US" dirty="0" smtClean="0"/>
-              <a:t>編輯房客名</a:t>
-            </a:r>
+            <a:pPr>
+              <a:lnSpc>
+                <a:spcPct val="150000"/>
+              </a:lnSpc>
+            </a:pPr>
             <a:r>
               <a:rPr lang="zh-TW" altLang="en-US" dirty="0"/>
-              <a:t>單</a:t>
-            </a:r>
-            <a:endParaRPr lang="en-US" altLang="zh-TW" dirty="0" smtClean="0"/>
-          </a:p>
-          <a:p>
-            <a:r>
-              <a:rPr lang="zh-TW" altLang="en-US" dirty="0" smtClean="0"/>
-              <a:t>調整房客發言順</a:t>
-            </a:r>
+              <a:t>編輯房客名單</a:t>
+            </a:r>
+            <a:endParaRPr lang="en-US" altLang="zh-TW" dirty="0"/>
+          </a:p>
+          <a:p>
+            <a:pPr>
+              <a:lnSpc>
+                <a:spcPct val="150000"/>
+              </a:lnSpc>
+            </a:pPr>
             <a:r>
               <a:rPr lang="zh-TW" altLang="en-US" dirty="0"/>
-              <a:t>序</a:t>
-            </a:r>
-            <a:endParaRPr lang="en-US" altLang="zh-TW" dirty="0" smtClean="0"/>
-          </a:p>
-          <a:p>
-            <a:r>
-              <a:rPr lang="zh-TW" altLang="en-US" dirty="0" smtClean="0"/>
-              <a:t>管理會議</a:t>
-            </a:r>
+              <a:t>調整房客發言順序</a:t>
+            </a:r>
+            <a:endParaRPr lang="en-US" altLang="zh-TW" dirty="0"/>
+          </a:p>
+          <a:p>
+            <a:pPr>
+              <a:lnSpc>
+                <a:spcPct val="150000"/>
+              </a:lnSpc>
+            </a:pPr>
             <a:r>
               <a:rPr lang="zh-TW" altLang="en-US" dirty="0"/>
-              <a:t>房間</a:t>
-            </a:r>
-            <a:endParaRPr lang="en-US" altLang="zh-TW" dirty="0" smtClean="0"/>
-          </a:p>
-          <a:p>
+              <a:t>管理會議房間</a:t>
+            </a:r>
+            <a:endParaRPr lang="en-US" altLang="zh-TW" dirty="0"/>
+          </a:p>
+          <a:p>
+            <a:pPr>
+              <a:lnSpc>
+                <a:spcPct val="150000"/>
+              </a:lnSpc>
+            </a:pPr>
             <a:endParaRPr lang="zh-TW" altLang="en-US" dirty="0"/>
           </a:p>
         </p:txBody>
@@ -9133,7 +9122,7 @@
         <p:spPr>
           <a:xfrm>
             <a:off x="8469258" y="1899139"/>
-            <a:ext cx="1175322" cy="1477328"/>
+            <a:ext cx="1175322" cy="2119876"/>
           </a:xfrm>
           <a:prstGeom prst="rect">
             <a:avLst/>
@@ -9146,45 +9135,62 @@
           </a:bodyPr>
           <a:lstStyle/>
           <a:p>
-            <a:r>
-              <a:rPr lang="zh-TW" altLang="en-US" dirty="0" smtClean="0"/>
+            <a:pPr>
+              <a:lnSpc>
+                <a:spcPct val="150000"/>
+              </a:lnSpc>
+            </a:pPr>
+            <a:r>
+              <a:rPr lang="zh-TW" altLang="en-US" dirty="0"/>
               <a:t>會議資訊</a:t>
             </a:r>
             <a:r>
-              <a:rPr lang="en-US" altLang="zh-TW" dirty="0" smtClean="0"/>
+              <a:rPr lang="en-US" altLang="zh-TW" dirty="0"/>
               <a:t>:</a:t>
             </a:r>
           </a:p>
           <a:p>
-            <a:r>
-              <a:rPr lang="zh-TW" altLang="en-US" dirty="0" smtClean="0"/>
-              <a:t>會議內</a:t>
-            </a:r>
+            <a:pPr>
+              <a:lnSpc>
+                <a:spcPct val="150000"/>
+              </a:lnSpc>
+            </a:pPr>
             <a:r>
               <a:rPr lang="zh-TW" altLang="en-US" dirty="0"/>
-              <a:t>容</a:t>
-            </a:r>
-            <a:endParaRPr lang="en-US" altLang="zh-TW" dirty="0" smtClean="0"/>
-          </a:p>
-          <a:p>
-            <a:r>
-              <a:rPr lang="zh-TW" altLang="en-US" dirty="0" smtClean="0"/>
+              <a:t>會議內容</a:t>
+            </a:r>
+            <a:endParaRPr lang="en-US" altLang="zh-TW" dirty="0"/>
+          </a:p>
+          <a:p>
+            <a:pPr>
+              <a:lnSpc>
+                <a:spcPct val="150000"/>
+              </a:lnSpc>
+            </a:pPr>
+            <a:r>
+              <a:rPr lang="zh-TW" altLang="en-US" dirty="0"/>
               <a:t>文件檔案</a:t>
             </a:r>
-            <a:endParaRPr lang="en-US" altLang="zh-TW" dirty="0" smtClean="0"/>
-          </a:p>
-          <a:p>
-            <a:r>
-              <a:rPr lang="zh-TW" altLang="en-US" dirty="0" smtClean="0"/>
-              <a:t>開會日</a:t>
-            </a:r>
+            <a:endParaRPr lang="en-US" altLang="zh-TW" dirty="0"/>
+          </a:p>
+          <a:p>
+            <a:pPr>
+              <a:lnSpc>
+                <a:spcPct val="150000"/>
+              </a:lnSpc>
+            </a:pPr>
             <a:r>
               <a:rPr lang="zh-TW" altLang="en-US" dirty="0"/>
-              <a:t>程</a:t>
-            </a:r>
-            <a:endParaRPr lang="en-US" altLang="zh-TW" dirty="0" smtClean="0"/>
-          </a:p>
-          <a:p>
+              <a:t>開會日程</a:t>
+            </a:r>
+            <a:endParaRPr lang="en-US" altLang="zh-TW" dirty="0"/>
+          </a:p>
+          <a:p>
+            <a:pPr>
+              <a:lnSpc>
+                <a:spcPct val="150000"/>
+              </a:lnSpc>
+            </a:pPr>
             <a:endParaRPr lang="zh-TW" altLang="en-US" dirty="0"/>
           </a:p>
         </p:txBody>
@@ -9198,7 +9204,7 @@
         <p:spPr>
           <a:xfrm>
             <a:off x="2773913" y="2510122"/>
-            <a:ext cx="877163" cy="369332"/>
+            <a:ext cx="877163" cy="458844"/>
           </a:xfrm>
           <a:prstGeom prst="rect">
             <a:avLst/>
@@ -9211,13 +9217,14 @@
           </a:bodyPr>
           <a:lstStyle/>
           <a:p>
-            <a:r>
-              <a:rPr lang="zh-TW" altLang="en-US" dirty="0" smtClean="0"/>
-              <a:t>多對</a:t>
-            </a:r>
+            <a:pPr>
+              <a:lnSpc>
+                <a:spcPct val="150000"/>
+              </a:lnSpc>
+            </a:pPr>
             <a:r>
               <a:rPr lang="zh-TW" altLang="en-US" dirty="0"/>
-              <a:t>一</a:t>
+              <a:t>多對一</a:t>
             </a:r>
           </a:p>
         </p:txBody>
@@ -9231,7 +9238,7 @@
         <p:spPr>
           <a:xfrm>
             <a:off x="2818235" y="3121187"/>
-            <a:ext cx="1107996" cy="369332"/>
+            <a:ext cx="1107996" cy="458844"/>
           </a:xfrm>
           <a:prstGeom prst="rect">
             <a:avLst/>
@@ -9244,11 +9251,15 @@
           </a:bodyPr>
           <a:lstStyle/>
           <a:p>
-            <a:r>
-              <a:rPr lang="zh-TW" altLang="en-US" dirty="0" smtClean="0"/>
+            <a:pPr>
+              <a:lnSpc>
+                <a:spcPct val="150000"/>
+              </a:lnSpc>
+            </a:pPr>
+            <a:r>
+              <a:rPr lang="zh-TW" altLang="en-US" dirty="0"/>
               <a:t>給予個資</a:t>
             </a:r>
-            <a:endParaRPr lang="zh-TW" altLang="en-US" dirty="0"/>
           </a:p>
         </p:txBody>
       </p:sp>
@@ -9321,7 +9332,7 @@
         <p:spPr>
           <a:xfrm>
             <a:off x="7030234" y="2510122"/>
-            <a:ext cx="877163" cy="369332"/>
+            <a:ext cx="877163" cy="458844"/>
           </a:xfrm>
           <a:prstGeom prst="rect">
             <a:avLst/>
@@ -9334,17 +9345,14 @@
           </a:bodyPr>
           <a:lstStyle/>
           <a:p>
+            <a:pPr>
+              <a:lnSpc>
+                <a:spcPct val="150000"/>
+              </a:lnSpc>
+            </a:pPr>
             <a:r>
               <a:rPr lang="zh-TW" altLang="en-US" dirty="0"/>
-              <a:t>一</a:t>
-            </a:r>
-            <a:r>
-              <a:rPr lang="zh-TW" altLang="en-US" dirty="0" smtClean="0"/>
-              <a:t>對</a:t>
-            </a:r>
-            <a:r>
-              <a:rPr lang="zh-TW" altLang="en-US" dirty="0"/>
-              <a:t>一</a:t>
+              <a:t>一對一</a:t>
             </a:r>
           </a:p>
         </p:txBody>
@@ -9422,7 +9430,7 @@
         <p:spPr>
           <a:xfrm>
             <a:off x="5223664" y="484631"/>
-            <a:ext cx="877163" cy="369332"/>
+            <a:ext cx="877163" cy="458844"/>
           </a:xfrm>
           <a:prstGeom prst="rect">
             <a:avLst/>
@@ -9435,13 +9443,14 @@
           </a:bodyPr>
           <a:lstStyle/>
           <a:p>
-            <a:r>
-              <a:rPr lang="zh-TW" altLang="en-US" dirty="0" smtClean="0"/>
-              <a:t>多對</a:t>
-            </a:r>
+            <a:pPr>
+              <a:lnSpc>
+                <a:spcPct val="150000"/>
+              </a:lnSpc>
+            </a:pPr>
             <a:r>
               <a:rPr lang="zh-TW" altLang="en-US" dirty="0"/>
-              <a:t>一</a:t>
+              <a:t>多對一</a:t>
             </a:r>
           </a:p>
         </p:txBody>
@@ -9455,7 +9464,7 @@
         <p:spPr>
           <a:xfrm>
             <a:off x="5236603" y="115298"/>
-            <a:ext cx="1569660" cy="369332"/>
+            <a:ext cx="1569660" cy="458844"/>
           </a:xfrm>
           <a:prstGeom prst="rect">
             <a:avLst/>
@@ -9468,13 +9477,14 @@
           </a:bodyPr>
           <a:lstStyle/>
           <a:p>
-            <a:r>
-              <a:rPr lang="zh-TW" altLang="en-US" dirty="0" smtClean="0"/>
-              <a:t>給予會議內</a:t>
-            </a:r>
+            <a:pPr>
+              <a:lnSpc>
+                <a:spcPct val="150000"/>
+              </a:lnSpc>
+            </a:pPr>
             <a:r>
               <a:rPr lang="zh-TW" altLang="en-US" dirty="0"/>
-              <a:t>容</a:t>
+              <a:t>給予會議內容</a:t>
             </a:r>
           </a:p>
         </p:txBody>
@@ -9488,7 +9498,7 @@
         <p:spPr>
           <a:xfrm>
             <a:off x="6672193" y="3104629"/>
-            <a:ext cx="1569660" cy="369332"/>
+            <a:ext cx="1569660" cy="458844"/>
           </a:xfrm>
           <a:prstGeom prst="rect">
             <a:avLst/>
@@ -9501,13 +9511,14 @@
           </a:bodyPr>
           <a:lstStyle/>
           <a:p>
-            <a:r>
-              <a:rPr lang="zh-TW" altLang="en-US" dirty="0" smtClean="0"/>
-              <a:t>給予會議內</a:t>
-            </a:r>
+            <a:pPr>
+              <a:lnSpc>
+                <a:spcPct val="150000"/>
+              </a:lnSpc>
+            </a:pPr>
             <a:r>
               <a:rPr lang="zh-TW" altLang="en-US" dirty="0"/>
-              <a:t>容</a:t>
+              <a:t>給予會議內容</a:t>
             </a:r>
           </a:p>
         </p:txBody>
@@ -9552,7 +9563,7 @@
             <p:ph idx="1"/>
             <p:extLst>
               <p:ext uri="{D42A27DB-BD31-4B8C-83A1-F6EECF244321}">
-                <p14:modId xmlns:p14="http://schemas.microsoft.com/office/powerpoint/2010/main" val="765526592"/>
+                <p14:modId xmlns:p14="http://schemas.microsoft.com/office/powerpoint/2010/main" val="786860257"/>
               </p:ext>
             </p:extLst>
           </p:nvPr>
@@ -9617,84 +9628,90 @@
                     <a:bodyPr/>
                     <a:lstStyle/>
                     <a:p>
+                      <a:pPr algn="ctr"/>
                       <a:r>
-                        <a:rPr lang="en-US" altLang="zh-TW" dirty="0" smtClean="0"/>
+                        <a:rPr lang="en-US" altLang="zh-TW" sz="1800" dirty="0"/>
                         <a:t>ATTRIBUTE</a:t>
                       </a:r>
-                      <a:endParaRPr lang="zh-TW" altLang="en-US" dirty="0"/>
+                      <a:endParaRPr lang="zh-TW" altLang="en-US" sz="1800" dirty="0"/>
                     </a:p>
                   </a:txBody>
-                  <a:tcPr/>
+                  <a:tcPr anchor="ctr"/>
                 </a:tc>
                 <a:tc>
                   <a:txBody>
                     <a:bodyPr/>
                     <a:lstStyle/>
                     <a:p>
+                      <a:pPr algn="ctr"/>
                       <a:r>
-                        <a:rPr lang="en-US" altLang="zh-TW" dirty="0" smtClean="0"/>
+                        <a:rPr lang="en-US" altLang="zh-TW" sz="1800" dirty="0"/>
                         <a:t>PRIMARY KEY</a:t>
                       </a:r>
-                      <a:endParaRPr lang="zh-TW" altLang="en-US" dirty="0"/>
+                      <a:endParaRPr lang="zh-TW" altLang="en-US" sz="1800" dirty="0"/>
                     </a:p>
                   </a:txBody>
-                  <a:tcPr/>
+                  <a:tcPr anchor="ctr"/>
                 </a:tc>
                 <a:tc>
                   <a:txBody>
                     <a:bodyPr/>
                     <a:lstStyle/>
                     <a:p>
+                      <a:pPr algn="ctr"/>
                       <a:r>
-                        <a:rPr lang="en-US" altLang="zh-TW" dirty="0" smtClean="0"/>
+                        <a:rPr lang="en-US" altLang="zh-TW" sz="1800" dirty="0"/>
                         <a:t>FOREIGN</a:t>
                       </a:r>
-                      <a:endParaRPr lang="zh-TW" altLang="en-US" dirty="0"/>
+                      <a:endParaRPr lang="zh-TW" altLang="en-US" sz="1800" dirty="0"/>
                     </a:p>
                   </a:txBody>
-                  <a:tcPr/>
+                  <a:tcPr anchor="ctr"/>
                 </a:tc>
                 <a:tc>
                   <a:txBody>
                     <a:bodyPr/>
                     <a:lstStyle/>
                     <a:p>
+                      <a:pPr algn="ctr"/>
                       <a:r>
-                        <a:rPr lang="en-US" altLang="zh-TW" dirty="0" smtClean="0"/>
+                        <a:rPr lang="en-US" altLang="zh-TW" sz="1800" dirty="0"/>
                         <a:t>NULL OK</a:t>
                       </a:r>
-                      <a:endParaRPr lang="zh-TW" altLang="en-US" dirty="0"/>
+                      <a:endParaRPr lang="zh-TW" altLang="en-US" sz="1800" dirty="0"/>
                     </a:p>
                   </a:txBody>
-                  <a:tcPr/>
+                  <a:tcPr anchor="ctr"/>
                 </a:tc>
                 <a:tc>
                   <a:txBody>
                     <a:bodyPr/>
                     <a:lstStyle/>
                     <a:p>
+                      <a:pPr algn="ctr"/>
                       <a:r>
-                        <a:rPr lang="en-US" altLang="zh-TW" dirty="0" smtClean="0"/>
+                        <a:rPr lang="en-US" altLang="zh-TW" sz="1800" dirty="0"/>
                         <a:t>TYPE</a:t>
                       </a:r>
-                      <a:endParaRPr lang="zh-TW" altLang="en-US" dirty="0"/>
+                      <a:endParaRPr lang="zh-TW" altLang="en-US" sz="1800" dirty="0"/>
                     </a:p>
                   </a:txBody>
-                  <a:tcPr/>
+                  <a:tcPr anchor="ctr"/>
                 </a:tc>
                 <a:tc>
                   <a:txBody>
                     <a:bodyPr/>
                     <a:lstStyle/>
                     <a:p>
+                      <a:pPr algn="ctr"/>
                       <a:r>
-                        <a:rPr lang="en-US" altLang="zh-TW" dirty="0" smtClean="0"/>
+                        <a:rPr lang="en-US" altLang="zh-TW" sz="1800" dirty="0"/>
                         <a:t>WIDTH</a:t>
                       </a:r>
-                      <a:endParaRPr lang="zh-TW" altLang="en-US" dirty="0"/>
+                      <a:endParaRPr lang="zh-TW" altLang="en-US" sz="1800" dirty="0"/>
                     </a:p>
                   </a:txBody>
-                  <a:tcPr/>
+                  <a:tcPr anchor="ctr"/>
                 </a:tc>
                 <a:extLst>
                   <a:ext uri="{0D108BD9-81ED-4DB2-BD59-A6C34878D82A}">
@@ -9708,80 +9725,86 @@
                     <a:bodyPr/>
                     <a:lstStyle/>
                     <a:p>
+                      <a:pPr algn="ctr"/>
                       <a:r>
-                        <a:rPr lang="en-US" altLang="zh-TW" dirty="0" smtClean="0"/>
+                        <a:rPr lang="en-US" altLang="zh-TW" sz="1800" dirty="0"/>
                         <a:t>USER</a:t>
                       </a:r>
                       <a:r>
-                        <a:rPr lang="en-US" altLang="zh-TW" baseline="0" dirty="0" smtClean="0"/>
+                        <a:rPr lang="en-US" altLang="zh-TW" sz="1800" baseline="0" dirty="0"/>
                         <a:t> ID</a:t>
                       </a:r>
-                      <a:endParaRPr lang="zh-TW" altLang="en-US" dirty="0"/>
+                      <a:endParaRPr lang="zh-TW" altLang="en-US" sz="1800" dirty="0"/>
                     </a:p>
                   </a:txBody>
-                  <a:tcPr/>
+                  <a:tcPr anchor="ctr"/>
                 </a:tc>
                 <a:tc>
                   <a:txBody>
                     <a:bodyPr/>
                     <a:lstStyle/>
                     <a:p>
+                      <a:pPr algn="ctr"/>
                       <a:r>
-                        <a:rPr lang="en-US" altLang="zh-TW" sz="7200" dirty="0" smtClean="0"/>
+                        <a:rPr lang="en-US" altLang="zh-TW" sz="1800" dirty="0"/>
                         <a:t>V</a:t>
                       </a:r>
-                      <a:endParaRPr lang="zh-TW" altLang="en-US" sz="7200" dirty="0"/>
+                      <a:endParaRPr lang="zh-TW" altLang="en-US" sz="1800" dirty="0"/>
                     </a:p>
                   </a:txBody>
-                  <a:tcPr/>
+                  <a:tcPr anchor="ctr"/>
                 </a:tc>
                 <a:tc>
                   <a:txBody>
                     <a:bodyPr/>
                     <a:lstStyle/>
                     <a:p>
-                      <a:endParaRPr lang="zh-TW" altLang="en-US" dirty="0"/>
+                      <a:pPr algn="ctr"/>
+                      <a:endParaRPr lang="zh-TW" altLang="en-US" sz="1800" dirty="0"/>
                     </a:p>
                   </a:txBody>
-                  <a:tcPr/>
+                  <a:tcPr anchor="ctr"/>
                 </a:tc>
                 <a:tc>
                   <a:txBody>
                     <a:bodyPr/>
                     <a:lstStyle/>
                     <a:p>
-                      <a:endParaRPr lang="zh-TW" altLang="en-US"/>
+                      <a:pPr algn="ctr"/>
+                      <a:endParaRPr lang="zh-TW" altLang="en-US" sz="1800" dirty="0"/>
                     </a:p>
                   </a:txBody>
-                  <a:tcPr/>
+                  <a:tcPr anchor="ctr"/>
                 </a:tc>
                 <a:tc>
                   <a:txBody>
                     <a:bodyPr/>
                     <a:lstStyle/>
                     <a:p>
+                      <a:pPr algn="ctr"/>
                       <a:r>
-                        <a:rPr lang="en-US" altLang="zh-TW" sz="7200" dirty="0" smtClean="0"/>
+                        <a:rPr lang="en-US" altLang="zh-TW" sz="1800" dirty="0"/>
                         <a:t>ID</a:t>
                       </a:r>
-                      <a:endParaRPr lang="zh-TW" altLang="en-US" sz="7200" dirty="0"/>
+                      <a:endParaRPr lang="zh-TW" altLang="en-US" sz="1800" dirty="0"/>
                     </a:p>
                   </a:txBody>
-                  <a:tcPr/>
+                  <a:tcPr anchor="ctr"/>
                 </a:tc>
                 <a:tc>
                   <a:txBody>
                     <a:bodyPr/>
                     <a:lstStyle/>
                     <a:p>
+                      <a:pPr algn="ctr"/>
                       <a:r>
-                        <a:rPr lang="en-US" altLang="zh-TW" sz="7200" dirty="0" smtClean="0"/>
+                        <a:rPr lang="en-US" altLang="zh-TW" sz="1800" dirty="0"/>
                         <a:t>9</a:t>
                       </a:r>
-                      <a:endParaRPr lang="zh-TW" altLang="en-US" sz="7200" dirty="0"/>
+                      <a:endParaRPr lang="zh-TW" altLang="en-US" sz="1800" dirty="0"/>
                     </a:p>
                   </a:txBody>
-                  <a:tcPr/>
+                  <a:tcPr anchor="ctr"/>
                 </a:tc>
                 <a:extLst>
                   <a:ext uri="{0D108BD9-81ED-4DB2-BD59-A6C34878D82A}">
@@ -9795,72 +9818,78 @@
                     <a:bodyPr/>
                     <a:lstStyle/>
                     <a:p>
+                      <a:pPr algn="ctr"/>
                       <a:r>
-                        <a:rPr lang="en-US" altLang="zh-TW" dirty="0" smtClean="0"/>
+                        <a:rPr lang="en-US" altLang="zh-TW" sz="1800" dirty="0"/>
                         <a:t>NAME</a:t>
                       </a:r>
-                      <a:endParaRPr lang="zh-TW" altLang="en-US" dirty="0"/>
+                      <a:endParaRPr lang="zh-TW" altLang="en-US" sz="1800" dirty="0"/>
                     </a:p>
                   </a:txBody>
-                  <a:tcPr/>
+                  <a:tcPr anchor="ctr"/>
                 </a:tc>
                 <a:tc>
                   <a:txBody>
                     <a:bodyPr/>
                     <a:lstStyle/>
                     <a:p>
-                      <a:endParaRPr lang="zh-TW" altLang="en-US" dirty="0"/>
+                      <a:pPr algn="ctr"/>
+                      <a:endParaRPr lang="zh-TW" altLang="en-US" sz="1800" dirty="0"/>
                     </a:p>
                   </a:txBody>
-                  <a:tcPr/>
+                  <a:tcPr anchor="ctr"/>
                 </a:tc>
                 <a:tc>
                   <a:txBody>
                     <a:bodyPr/>
                     <a:lstStyle/>
                     <a:p>
-                      <a:endParaRPr lang="zh-TW" altLang="en-US"/>
+                      <a:pPr algn="ctr"/>
+                      <a:endParaRPr lang="zh-TW" altLang="en-US" sz="1800"/>
                     </a:p>
                   </a:txBody>
-                  <a:tcPr/>
+                  <a:tcPr anchor="ctr"/>
                 </a:tc>
                 <a:tc>
                   <a:txBody>
                     <a:bodyPr/>
                     <a:lstStyle/>
                     <a:p>
-                      <a:endParaRPr lang="zh-TW" altLang="en-US"/>
+                      <a:pPr algn="ctr"/>
+                      <a:endParaRPr lang="zh-TW" altLang="en-US" sz="1800"/>
                     </a:p>
                   </a:txBody>
-                  <a:tcPr/>
+                  <a:tcPr anchor="ctr"/>
                 </a:tc>
                 <a:tc>
                   <a:txBody>
                     <a:bodyPr/>
                     <a:lstStyle/>
                     <a:p>
+                      <a:pPr algn="ctr"/>
                       <a:r>
-                        <a:rPr lang="en-US" altLang="zh-TW" sz="4000" dirty="0" smtClean="0"/>
+                        <a:rPr lang="en-US" altLang="zh-TW" sz="1800" dirty="0"/>
                         <a:t>CHAR</a:t>
                       </a:r>
-                      <a:endParaRPr lang="zh-TW" altLang="en-US" sz="4000" dirty="0"/>
+                      <a:endParaRPr lang="zh-TW" altLang="en-US" sz="1800" dirty="0"/>
                     </a:p>
                   </a:txBody>
-                  <a:tcPr/>
+                  <a:tcPr anchor="ctr"/>
                 </a:tc>
                 <a:tc>
                   <a:txBody>
                     <a:bodyPr/>
                     <a:lstStyle/>
                     <a:p>
+                      <a:pPr algn="ctr"/>
                       <a:r>
-                        <a:rPr lang="en-US" altLang="zh-TW" sz="7200" dirty="0" smtClean="0"/>
+                        <a:rPr lang="en-US" altLang="zh-TW" sz="1800" dirty="0"/>
                         <a:t>20</a:t>
                       </a:r>
-                      <a:endParaRPr lang="zh-TW" altLang="en-US" sz="7200" dirty="0"/>
+                      <a:endParaRPr lang="zh-TW" altLang="en-US" sz="1800" dirty="0"/>
                     </a:p>
                   </a:txBody>
-                  <a:tcPr/>
+                  <a:tcPr anchor="ctr"/>
                 </a:tc>
                 <a:extLst>
                   <a:ext uri="{0D108BD9-81ED-4DB2-BD59-A6C34878D82A}">
@@ -9874,76 +9903,82 @@
                     <a:bodyPr/>
                     <a:lstStyle/>
                     <a:p>
+                      <a:pPr algn="ctr"/>
                       <a:r>
-                        <a:rPr lang="en-US" altLang="zh-TW" dirty="0" smtClean="0"/>
+                        <a:rPr lang="en-US" altLang="zh-TW" sz="1800" dirty="0"/>
                         <a:t>PROGRAM ID</a:t>
                       </a:r>
-                      <a:endParaRPr lang="zh-TW" altLang="en-US" dirty="0"/>
+                      <a:endParaRPr lang="zh-TW" altLang="en-US" sz="1800" dirty="0"/>
                     </a:p>
                   </a:txBody>
-                  <a:tcPr/>
+                  <a:tcPr anchor="ctr"/>
                 </a:tc>
                 <a:tc>
                   <a:txBody>
                     <a:bodyPr/>
                     <a:lstStyle/>
                     <a:p>
-                      <a:endParaRPr lang="zh-TW" altLang="en-US" dirty="0"/>
+                      <a:pPr algn="ctr"/>
+                      <a:endParaRPr lang="zh-TW" altLang="en-US" sz="1800" dirty="0"/>
                     </a:p>
                   </a:txBody>
-                  <a:tcPr/>
+                  <a:tcPr anchor="ctr"/>
                 </a:tc>
                 <a:tc>
                   <a:txBody>
                     <a:bodyPr/>
                     <a:lstStyle/>
                     <a:p>
+                      <a:pPr algn="ctr"/>
                       <a:r>
-                        <a:rPr lang="en-US" altLang="zh-TW" sz="7200" dirty="0" smtClean="0"/>
+                        <a:rPr lang="en-US" altLang="zh-TW" sz="1800" dirty="0"/>
                         <a:t>V</a:t>
                       </a:r>
-                      <a:endParaRPr lang="zh-TW" altLang="en-US" sz="7200" dirty="0"/>
+                      <a:endParaRPr lang="zh-TW" altLang="en-US" sz="1800" dirty="0"/>
                     </a:p>
                   </a:txBody>
-                  <a:tcPr/>
+                  <a:tcPr anchor="ctr"/>
                 </a:tc>
                 <a:tc>
                   <a:txBody>
                     <a:bodyPr/>
                     <a:lstStyle/>
                     <a:p>
-                      <a:endParaRPr lang="zh-TW" altLang="en-US"/>
+                      <a:pPr algn="ctr"/>
+                      <a:endParaRPr lang="zh-TW" altLang="en-US" sz="1800"/>
                     </a:p>
                   </a:txBody>
-                  <a:tcPr/>
+                  <a:tcPr anchor="ctr"/>
                 </a:tc>
                 <a:tc>
                   <a:txBody>
                     <a:bodyPr/>
                     <a:lstStyle/>
                     <a:p>
+                      <a:pPr algn="ctr"/>
                       <a:r>
-                        <a:rPr lang="en-US" altLang="zh-TW" sz="7200" dirty="0" smtClean="0"/>
+                        <a:rPr lang="en-US" altLang="zh-TW" sz="1800" dirty="0"/>
                         <a:t>ID</a:t>
                       </a:r>
-                      <a:endParaRPr lang="zh-TW" altLang="en-US" sz="7200" dirty="0"/>
+                      <a:endParaRPr lang="zh-TW" altLang="en-US" sz="1800" dirty="0"/>
                     </a:p>
                   </a:txBody>
-                  <a:tcPr/>
+                  <a:tcPr anchor="ctr"/>
                 </a:tc>
                 <a:tc>
                   <a:txBody>
                     <a:bodyPr/>
                     <a:lstStyle/>
                     <a:p>
+                      <a:pPr algn="ctr"/>
                       <a:r>
-                        <a:rPr lang="en-US" altLang="zh-TW" sz="7200" dirty="0" smtClean="0"/>
+                        <a:rPr lang="en-US" altLang="zh-TW" sz="1800" dirty="0"/>
                         <a:t>9</a:t>
                       </a:r>
-                      <a:endParaRPr lang="zh-TW" altLang="en-US" sz="7200" dirty="0"/>
+                      <a:endParaRPr lang="zh-TW" altLang="en-US" sz="1800" dirty="0"/>
                     </a:p>
                   </a:txBody>
-                  <a:tcPr/>
+                  <a:tcPr anchor="ctr"/>
                 </a:tc>
                 <a:extLst>
                   <a:ext uri="{0D108BD9-81ED-4DB2-BD59-A6C34878D82A}">
@@ -9964,7 +9999,7 @@
         <p:spPr>
           <a:xfrm>
             <a:off x="4572000" y="342900"/>
-            <a:ext cx="2031325" cy="369332"/>
+            <a:ext cx="3057247" cy="523220"/>
           </a:xfrm>
           <a:prstGeom prst="rect">
             <a:avLst/>
@@ -9978,10 +10013,9 @@
           <a:lstStyle/>
           <a:p>
             <a:r>
-              <a:rPr lang="zh-TW" altLang="en-US" dirty="0" smtClean="0"/>
+              <a:rPr lang="zh-TW" altLang="en-US" sz="2800" dirty="0"/>
               <a:t>房客實體屬性定義</a:t>
             </a:r>
-            <a:endParaRPr lang="zh-TW" altLang="en-US" dirty="0"/>
           </a:p>
         </p:txBody>
       </p:sp>
